--- a/presentations/0317.pptx
+++ b/presentations/0317.pptx
@@ -5,7 +5,7 @@
     <p:sldMasterId id="2147483648" r:id="rId1"/>
   </p:sldMasterIdLst>
   <p:notesMasterIdLst>
-    <p:notesMasterId r:id="rId27"/>
+    <p:notesMasterId r:id="rId28"/>
   </p:notesMasterIdLst>
   <p:sldIdLst>
     <p:sldId id="256" r:id="rId2"/>
@@ -16,23 +16,24 @@
     <p:sldId id="304" r:id="rId7"/>
     <p:sldId id="262" r:id="rId8"/>
     <p:sldId id="303" r:id="rId9"/>
-    <p:sldId id="305" r:id="rId10"/>
-    <p:sldId id="261" r:id="rId11"/>
-    <p:sldId id="306" r:id="rId12"/>
-    <p:sldId id="307" r:id="rId13"/>
-    <p:sldId id="308" r:id="rId14"/>
-    <p:sldId id="313" r:id="rId15"/>
-    <p:sldId id="309" r:id="rId16"/>
-    <p:sldId id="310" r:id="rId17"/>
-    <p:sldId id="311" r:id="rId18"/>
-    <p:sldId id="312" r:id="rId19"/>
+    <p:sldId id="261" r:id="rId10"/>
+    <p:sldId id="306" r:id="rId11"/>
+    <p:sldId id="307" r:id="rId12"/>
+    <p:sldId id="308" r:id="rId13"/>
+    <p:sldId id="313" r:id="rId14"/>
+    <p:sldId id="309" r:id="rId15"/>
+    <p:sldId id="310" r:id="rId16"/>
+    <p:sldId id="311" r:id="rId17"/>
+    <p:sldId id="312" r:id="rId18"/>
+    <p:sldId id="318" r:id="rId19"/>
     <p:sldId id="289" r:id="rId20"/>
     <p:sldId id="281" r:id="rId21"/>
     <p:sldId id="314" r:id="rId22"/>
     <p:sldId id="315" r:id="rId23"/>
-    <p:sldId id="316" r:id="rId24"/>
-    <p:sldId id="317" r:id="rId25"/>
-    <p:sldId id="302" r:id="rId26"/>
+    <p:sldId id="319" r:id="rId24"/>
+    <p:sldId id="316" r:id="rId25"/>
+    <p:sldId id="317" r:id="rId26"/>
+    <p:sldId id="302" r:id="rId27"/>
   </p:sldIdLst>
   <p:sldSz cx="9144000" cy="6858000" type="screen4x3"/>
   <p:notesSz cx="6858000" cy="9144000"/>
@@ -232,7 +233,7 @@
           <a:p>
             <a:fld id="{339C53B3-6B9E-4351-B877-403968F3A89D}" type="datetimeFigureOut">
               <a:rPr lang="zh-TW" altLang="en-US" smtClean="0"/>
-              <a:t>2017/3/14</a:t>
+              <a:t>2017/3/17</a:t>
             </a:fld>
             <a:endParaRPr lang="zh-TW" altLang="en-US"/>
           </a:p>
@@ -655,7 +656,93 @@
                 <a:ea typeface="+mn-ea"/>
                 <a:cs typeface="+mn-cs"/>
               </a:rPr>
-              <a:t>The objective function of SNE </a:t>
+              <a:t>the probability of an attribute set is proportional to the sum of scores</a:t>
+            </a:r>
+            <a:r>
+              <a:rPr lang="en-US" altLang="zh-TW" sz="1200" kern="1200" dirty="0" smtClean="0">
+                <a:solidFill>
+                  <a:schemeClr val="tx1"/>
+                </a:solidFill>
+                <a:effectLst/>
+                <a:latin typeface="+mn-lt"/>
+                <a:ea typeface="+mn-ea"/>
+                <a:cs typeface="+mn-cs"/>
+              </a:rPr>
+              <a:t>.</a:t>
+            </a:r>
+          </a:p>
+          <a:p>
+            <a:pPr marL="0" marR="0" indent="0" algn="l" defTabSz="914400" rtl="0" eaLnBrk="1" fontAlgn="auto" latinLnBrk="0" hangingPunct="1">
+              <a:lnSpc>
+                <a:spcPct val="100000"/>
+              </a:lnSpc>
+              <a:spcBef>
+                <a:spcPts val="0"/>
+              </a:spcBef>
+              <a:spcAft>
+                <a:spcPts val="0"/>
+              </a:spcAft>
+              <a:buClrTx/>
+              <a:buSzTx/>
+              <a:buFontTx/>
+              <a:buNone/>
+              <a:tabLst/>
+              <a:defRPr/>
+            </a:pPr>
+            <a:r>
+              <a:rPr lang="en-US" sz="1200" kern="1200" dirty="0" smtClean="0">
+                <a:solidFill>
+                  <a:schemeClr val="tx1"/>
+                </a:solidFill>
+                <a:effectLst/>
+                <a:latin typeface="+mn-lt"/>
+                <a:ea typeface="+mn-ea"/>
+                <a:cs typeface="+mn-cs"/>
+              </a:rPr>
+              <a:t>the best attribute set is then a combination of assignments with the highest score from each task given the input</a:t>
+            </a:r>
+            <a:r>
+              <a:rPr lang="en-US" altLang="zh-TW" sz="1200" kern="1200" dirty="0" smtClean="0">
+                <a:solidFill>
+                  <a:schemeClr val="tx1"/>
+                </a:solidFill>
+                <a:effectLst/>
+                <a:latin typeface="+mn-lt"/>
+                <a:ea typeface="+mn-ea"/>
+                <a:cs typeface="+mn-cs"/>
+              </a:rPr>
+              <a:t>.</a:t>
+            </a:r>
+          </a:p>
+          <a:p>
+            <a:pPr marL="0" marR="0" indent="0" algn="l" defTabSz="914400" rtl="0" eaLnBrk="1" fontAlgn="auto" latinLnBrk="0" hangingPunct="1">
+              <a:lnSpc>
+                <a:spcPct val="100000"/>
+              </a:lnSpc>
+              <a:spcBef>
+                <a:spcPts val="0"/>
+              </a:spcBef>
+              <a:spcAft>
+                <a:spcPts val="0"/>
+              </a:spcAft>
+              <a:buClrTx/>
+              <a:buSzTx/>
+              <a:buFontTx/>
+              <a:buNone/>
+              <a:tabLst/>
+              <a:defRPr/>
+            </a:pPr>
+            <a:r>
+              <a:rPr lang="en-US" sz="1200" kern="1200" dirty="0" smtClean="0">
+                <a:solidFill>
+                  <a:schemeClr val="tx1"/>
+                </a:solidFill>
+                <a:effectLst/>
+                <a:latin typeface="+mn-lt"/>
+                <a:ea typeface="+mn-ea"/>
+                <a:cs typeface="+mn-cs"/>
+              </a:rPr>
+              <a:t>In this way, for each user input, we only need to conduct a forward computation to generate the scores for each attribute entry, and select the highest one for each task as the final prediction. For Partial- Label problem, we simply select for those missing attributes while leaving the known attributes fixed.</a:t>
             </a:r>
             <a:endParaRPr lang="en-US" dirty="0" smtClean="0"/>
           </a:p>
@@ -678,7 +765,7 @@
           <a:p>
             <a:fld id="{0470DE78-09D1-45DA-A4C0-9EBDEC1D184B}" type="slidenum">
               <a:rPr lang="zh-TW" altLang="en-US" smtClean="0"/>
-              <a:t>18</a:t>
+              <a:t>19</a:t>
             </a:fld>
             <a:endParaRPr lang="zh-TW" altLang="en-US"/>
           </a:p>
@@ -687,7 +774,7 @@
     </p:spTree>
     <p:extLst>
       <p:ext uri="{BB962C8B-B14F-4D97-AF65-F5344CB8AC3E}">
-        <p14:creationId xmlns:p14="http://schemas.microsoft.com/office/powerpoint/2010/main" val="1470116477"/>
+        <p14:creationId xmlns:p14="http://schemas.microsoft.com/office/powerpoint/2010/main" val="1780670912"/>
       </p:ext>
     </p:extLst>
   </p:cSld>
@@ -768,7 +855,31 @@
                 <a:ea typeface="+mn-ea"/>
                 <a:cs typeface="+mn-cs"/>
               </a:rPr>
-              <a:t>the probability of an attribute set is proportional to the sum of scores</a:t>
+              <a:t>The results indicate that the </a:t>
+            </a:r>
+            <a:r>
+              <a:rPr lang="en-US" sz="1200" kern="1200" dirty="0" smtClean="0">
+                <a:solidFill>
+                  <a:srgbClr val="FF0000"/>
+                </a:solidFill>
+                <a:effectLst/>
+                <a:latin typeface="+mn-lt"/>
+                <a:ea typeface="+mn-ea"/>
+                <a:cs typeface="+mn-cs"/>
+              </a:rPr>
+              <a:t>frequency</a:t>
+            </a:r>
+            <a:r>
+              <a:rPr lang="en-US" sz="1200" kern="1200" dirty="0" smtClean="0">
+                <a:solidFill>
+                  <a:schemeClr val="tx1"/>
+                </a:solidFill>
+                <a:effectLst/>
+                <a:latin typeface="+mn-lt"/>
+                <a:ea typeface="+mn-ea"/>
+                <a:cs typeface="+mn-cs"/>
+              </a:rPr>
+              <a:t> information of items is important for demographic prediction</a:t>
             </a:r>
             <a:r>
               <a:rPr lang="en-US" altLang="zh-TW" sz="1200" kern="1200" dirty="0" smtClean="0">
@@ -811,7 +922,7 @@
                 <a:ea typeface="+mn-ea"/>
                 <a:cs typeface="+mn-cs"/>
               </a:rPr>
-              <a:t>the best attribute set is then a combination of assignments with the highest score from each task given the input</a:t>
+              <a:t>This is reasonable since someone who frequently buys wine and cigarette is more likely to be an adult man than someone happens to buy these items</a:t>
             </a:r>
             <a:r>
               <a:rPr lang="en-US" altLang="zh-TW" sz="1200" kern="1200" dirty="0" smtClean="0">
@@ -846,7 +957,7 @@
           <a:p>
             <a:fld id="{0470DE78-09D1-45DA-A4C0-9EBDEC1D184B}" type="slidenum">
               <a:rPr lang="zh-TW" altLang="en-US" smtClean="0"/>
-              <a:t>19</a:t>
+              <a:t>21</a:t>
             </a:fld>
             <a:endParaRPr lang="zh-TW" altLang="en-US"/>
           </a:p>
@@ -855,7 +966,7 @@
     </p:spTree>
     <p:extLst>
       <p:ext uri="{BB962C8B-B14F-4D97-AF65-F5344CB8AC3E}">
-        <p14:creationId xmlns:p14="http://schemas.microsoft.com/office/powerpoint/2010/main" val="1780670912"/>
+        <p14:creationId xmlns:p14="http://schemas.microsoft.com/office/powerpoint/2010/main" val="8324449"/>
       </p:ext>
     </p:extLst>
   </p:cSld>
@@ -909,80 +1020,6 @@
           <a:bodyPr/>
           <a:lstStyle/>
           <a:p>
-            <a:r>
-              <a:rPr lang="en-US" sz="1200" kern="1200" dirty="0" err="1" smtClean="0">
-                <a:solidFill>
-                  <a:schemeClr val="tx1"/>
-                </a:solidFill>
-                <a:effectLst/>
-                <a:latin typeface="+mn-lt"/>
-                <a:ea typeface="+mn-ea"/>
-                <a:cs typeface="+mn-cs"/>
-              </a:rPr>
-              <a:t>SNEavg</a:t>
-            </a:r>
-            <a:r>
-              <a:rPr lang="en-US" sz="1200" kern="1200" dirty="0" smtClean="0">
-                <a:solidFill>
-                  <a:schemeClr val="tx1"/>
-                </a:solidFill>
-                <a:effectLst/>
-                <a:latin typeface="+mn-lt"/>
-                <a:ea typeface="+mn-ea"/>
-                <a:cs typeface="+mn-cs"/>
-              </a:rPr>
-              <a:t> performs better than both </a:t>
-            </a:r>
-            <a:r>
-              <a:rPr lang="en-US" sz="1200" kern="1200" dirty="0" err="1" smtClean="0">
-                <a:solidFill>
-                  <a:schemeClr val="tx1"/>
-                </a:solidFill>
-                <a:effectLst/>
-                <a:latin typeface="+mn-lt"/>
-                <a:ea typeface="+mn-ea"/>
-                <a:cs typeface="+mn-cs"/>
-              </a:rPr>
-              <a:t>SNEuniq</a:t>
-            </a:r>
-            <a:r>
-              <a:rPr lang="en-US" sz="1200" kern="1200" dirty="0" smtClean="0">
-                <a:solidFill>
-                  <a:schemeClr val="tx1"/>
-                </a:solidFill>
-                <a:effectLst/>
-                <a:latin typeface="+mn-lt"/>
-                <a:ea typeface="+mn-ea"/>
-                <a:cs typeface="+mn-cs"/>
-              </a:rPr>
-              <a:t> and </a:t>
-            </a:r>
-            <a:r>
-              <a:rPr lang="en-US" sz="1200" kern="1200" dirty="0" err="1" smtClean="0">
-                <a:solidFill>
-                  <a:schemeClr val="tx1"/>
-                </a:solidFill>
-                <a:effectLst/>
-                <a:latin typeface="+mn-lt"/>
-                <a:ea typeface="+mn-ea"/>
-                <a:cs typeface="+mn-cs"/>
-              </a:rPr>
-              <a:t>SNEmax</a:t>
-            </a:r>
-            <a:r>
-              <a:rPr lang="en-US" altLang="zh-TW" sz="1200" kern="1200" dirty="0" smtClean="0">
-                <a:solidFill>
-                  <a:schemeClr val="tx1"/>
-                </a:solidFill>
-                <a:effectLst/>
-                <a:latin typeface="+mn-lt"/>
-                <a:ea typeface="+mn-ea"/>
-                <a:cs typeface="+mn-cs"/>
-              </a:rPr>
-              <a:t>.</a:t>
-            </a:r>
-          </a:p>
-          <a:p>
             <a:pPr marL="0" marR="0" indent="0" algn="l" defTabSz="914400" rtl="0" eaLnBrk="1" fontAlgn="auto" latinLnBrk="0" hangingPunct="1">
               <a:lnSpc>
                 <a:spcPct val="100000"/>
@@ -1001,7 +1038,15 @@
               <a:defRPr/>
             </a:pPr>
             <a:r>
-              <a:rPr lang="en-US" sz="1200" kern="1200" dirty="0" smtClean="0">
+              <a:rPr lang="en-US" altLang="zh-TW" dirty="0" smtClean="0"/>
+              <a:t>POP:</a:t>
+            </a:r>
+            <a:r>
+              <a:rPr lang="zh-TW" altLang="en-US" dirty="0" smtClean="0"/>
+              <a:t> </a:t>
+            </a:r>
+            <a:r>
+              <a:rPr lang="en-US" altLang="zh-TW" sz="1200" kern="1200" dirty="0" smtClean="0">
                 <a:solidFill>
                   <a:schemeClr val="tx1"/>
                 </a:solidFill>
@@ -1010,22 +1055,22 @@
                 <a:ea typeface="+mn-ea"/>
                 <a:cs typeface="+mn-cs"/>
               </a:rPr>
-              <a:t>The results indicate that the </a:t>
+              <a:t>P</a:t>
             </a:r>
             <a:r>
               <a:rPr lang="en-US" sz="1200" kern="1200" dirty="0" smtClean="0">
                 <a:solidFill>
-                  <a:srgbClr val="FF0000"/>
+                  <a:schemeClr val="tx1"/>
                 </a:solidFill>
                 <a:effectLst/>
                 <a:latin typeface="+mn-lt"/>
                 <a:ea typeface="+mn-ea"/>
                 <a:cs typeface="+mn-cs"/>
               </a:rPr>
-              <a:t>frequency</a:t>
-            </a:r>
-            <a:r>
-              <a:rPr lang="en-US" sz="1200" kern="1200" dirty="0" smtClean="0">
+              <a:t>opular combination of demographic attributes</a:t>
+            </a:r>
+            <a:r>
+              <a:rPr lang="en-US" altLang="zh-TW" sz="1200" kern="1200" dirty="0" smtClean="0">
                 <a:solidFill>
                   <a:schemeClr val="tx1"/>
                 </a:solidFill>
@@ -1034,7 +1079,43 @@
                 <a:ea typeface="+mn-ea"/>
                 <a:cs typeface="+mn-cs"/>
               </a:rPr>
-              <a:t> information of items is important for demographic prediction</a:t>
+              <a:t>.</a:t>
+            </a:r>
+            <a:r>
+              <a:rPr lang="en-US" sz="1200" kern="1200" dirty="0" smtClean="0">
+                <a:solidFill>
+                  <a:schemeClr val="tx1"/>
+                </a:solidFill>
+                <a:effectLst/>
+                <a:latin typeface="+mn-lt"/>
+                <a:ea typeface="+mn-ea"/>
+                <a:cs typeface="+mn-cs"/>
+              </a:rPr>
+              <a:t> </a:t>
+            </a:r>
+            <a:r>
+              <a:rPr lang="en-US" altLang="zh-TW" sz="1200" kern="1200" dirty="0" smtClean="0">
+                <a:solidFill>
+                  <a:schemeClr val="tx1"/>
+                </a:solidFill>
+                <a:effectLst/>
+                <a:latin typeface="+mn-lt"/>
+                <a:ea typeface="+mn-ea"/>
+                <a:cs typeface="+mn-cs"/>
+              </a:rPr>
+              <a:t>H</a:t>
+            </a:r>
+            <a:r>
+              <a:rPr lang="en-US" sz="1200" kern="1200" dirty="0" smtClean="0">
+                <a:solidFill>
+                  <a:schemeClr val="tx1"/>
+                </a:solidFill>
+                <a:effectLst/>
+                <a:latin typeface="+mn-lt"/>
+                <a:ea typeface="+mn-ea"/>
+                <a:cs typeface="+mn-cs"/>
+              </a:rPr>
+              <a:t>euristic baseline ignores users’ purchase history, and only relies on the correlations among demographic attributes for prediction</a:t>
             </a:r>
             <a:r>
               <a:rPr lang="en-US" altLang="zh-TW" sz="1200" kern="1200" dirty="0" smtClean="0">
@@ -1068,7 +1149,7 @@
               <a:defRPr/>
             </a:pPr>
             <a:r>
-              <a:rPr lang="en-US" sz="1200" kern="1200" dirty="0" smtClean="0">
+              <a:rPr lang="en-US" altLang="zh-TW" sz="1200" kern="1200" dirty="0" smtClean="0">
                 <a:solidFill>
                   <a:schemeClr val="tx1"/>
                 </a:solidFill>
@@ -1077,7 +1158,67 @@
                 <a:ea typeface="+mn-ea"/>
                 <a:cs typeface="+mn-cs"/>
               </a:rPr>
-              <a:t>This is reasonable since someone who frequently buys wine and cigarette is more likely to be an adult man than someone happens to buy these items</a:t>
+              <a:t>SVD-single:</a:t>
+            </a:r>
+            <a:r>
+              <a:rPr lang="zh-TW" altLang="en-US" sz="1200" kern="1200" baseline="0" dirty="0" smtClean="0">
+                <a:solidFill>
+                  <a:schemeClr val="tx1"/>
+                </a:solidFill>
+                <a:effectLst/>
+                <a:latin typeface="+mn-lt"/>
+                <a:ea typeface="+mn-ea"/>
+                <a:cs typeface="+mn-cs"/>
+              </a:rPr>
+              <a:t> </a:t>
+            </a:r>
+            <a:r>
+              <a:rPr lang="en-US" sz="1200" kern="1200" dirty="0" smtClean="0">
+                <a:solidFill>
+                  <a:schemeClr val="tx1"/>
+                </a:solidFill>
+                <a:effectLst/>
+                <a:latin typeface="+mn-lt"/>
+                <a:ea typeface="+mn-ea"/>
+                <a:cs typeface="+mn-cs"/>
+              </a:rPr>
+              <a:t>obtain low dimensional representations of users</a:t>
+            </a:r>
+            <a:r>
+              <a:rPr lang="en-US" altLang="zh-TW" sz="1200" kern="1200" dirty="0" smtClean="0">
+                <a:solidFill>
+                  <a:schemeClr val="tx1"/>
+                </a:solidFill>
+                <a:effectLst/>
+                <a:latin typeface="+mn-lt"/>
+                <a:ea typeface="+mn-ea"/>
+                <a:cs typeface="+mn-cs"/>
+              </a:rPr>
+              <a:t>,</a:t>
+            </a:r>
+            <a:r>
+              <a:rPr lang="zh-TW" altLang="en-US" sz="1200" kern="1200" dirty="0" smtClean="0">
+                <a:solidFill>
+                  <a:schemeClr val="tx1"/>
+                </a:solidFill>
+                <a:effectLst/>
+                <a:latin typeface="+mn-lt"/>
+                <a:ea typeface="+mn-ea"/>
+                <a:cs typeface="+mn-cs"/>
+              </a:rPr>
+              <a:t> </a:t>
+            </a:r>
+            <a:r>
+              <a:rPr lang="en-US" sz="1200" kern="1200" dirty="0" smtClean="0">
+                <a:solidFill>
+                  <a:schemeClr val="tx1"/>
+                </a:solidFill>
+                <a:effectLst/>
+                <a:latin typeface="+mn-lt"/>
+                <a:ea typeface="+mn-ea"/>
+                <a:cs typeface="+mn-cs"/>
+              </a:rPr>
+              <a:t>predict each demographic attribute separately</a:t>
             </a:r>
             <a:r>
               <a:rPr lang="en-US" altLang="zh-TW" sz="1200" kern="1200" dirty="0" smtClean="0">
@@ -1091,10 +1232,222 @@
               </a:rPr>
               <a:t>.</a:t>
             </a:r>
+          </a:p>
+          <a:p>
+            <a:pPr marL="0" marR="0" indent="0" algn="l" defTabSz="914400" rtl="0" eaLnBrk="1" fontAlgn="auto" latinLnBrk="0" hangingPunct="1">
+              <a:lnSpc>
+                <a:spcPct val="100000"/>
+              </a:lnSpc>
+              <a:spcBef>
+                <a:spcPts val="0"/>
+              </a:spcBef>
+              <a:spcAft>
+                <a:spcPts val="0"/>
+              </a:spcAft>
+              <a:buClrTx/>
+              <a:buSzTx/>
+              <a:buFontTx/>
+              <a:buNone/>
+              <a:tabLst/>
+              <a:defRPr/>
+            </a:pPr>
+            <a:r>
+              <a:rPr lang="en-US" sz="1200" kern="1200" dirty="0" smtClean="0">
+                <a:solidFill>
+                  <a:schemeClr val="tx1"/>
+                </a:solidFill>
+                <a:effectLst/>
+                <a:latin typeface="+mn-lt"/>
+                <a:ea typeface="+mn-ea"/>
+                <a:cs typeface="+mn-cs"/>
+              </a:rPr>
+              <a:t>SVD-Structured</a:t>
+            </a:r>
+            <a:r>
+              <a:rPr lang="en-US" altLang="zh-TW" sz="1200" kern="1200" dirty="0" smtClean="0">
+                <a:solidFill>
+                  <a:schemeClr val="tx1"/>
+                </a:solidFill>
+                <a:effectLst/>
+                <a:latin typeface="+mn-lt"/>
+                <a:ea typeface="+mn-ea"/>
+                <a:cs typeface="+mn-cs"/>
+              </a:rPr>
+              <a:t>:</a:t>
+            </a:r>
+            <a:r>
+              <a:rPr lang="zh-TW" altLang="en-US" sz="1200" kern="1200" baseline="0" dirty="0" smtClean="0">
+                <a:solidFill>
+                  <a:schemeClr val="tx1"/>
+                </a:solidFill>
+                <a:effectLst/>
+                <a:latin typeface="+mn-lt"/>
+                <a:ea typeface="+mn-ea"/>
+                <a:cs typeface="+mn-cs"/>
+              </a:rPr>
+              <a:t> </a:t>
+            </a:r>
+            <a:r>
+              <a:rPr lang="en-US" sz="1200" kern="1200" dirty="0" smtClean="0">
+                <a:solidFill>
+                  <a:schemeClr val="tx1"/>
+                </a:solidFill>
+                <a:effectLst/>
+                <a:latin typeface="+mn-lt"/>
+                <a:ea typeface="+mn-ea"/>
+                <a:cs typeface="+mn-cs"/>
+              </a:rPr>
+              <a:t>a structured learning model (i.e., log-bilinear model) </a:t>
+            </a:r>
             <a:endParaRPr lang="en-US" dirty="0" smtClean="0"/>
           </a:p>
           <a:p>
-            <a:endParaRPr lang="en-US" dirty="0"/>
+            <a:pPr marL="0" marR="0" indent="0" algn="l" defTabSz="914400" rtl="0" eaLnBrk="1" fontAlgn="auto" latinLnBrk="0" hangingPunct="1">
+              <a:lnSpc>
+                <a:spcPct val="100000"/>
+              </a:lnSpc>
+              <a:spcBef>
+                <a:spcPts val="0"/>
+              </a:spcBef>
+              <a:spcAft>
+                <a:spcPts val="0"/>
+              </a:spcAft>
+              <a:buClrTx/>
+              <a:buSzTx/>
+              <a:buFontTx/>
+              <a:buNone/>
+              <a:tabLst/>
+              <a:defRPr/>
+            </a:pPr>
+            <a:r>
+              <a:rPr lang="en-US" altLang="zh-TW" dirty="0" smtClean="0"/>
+              <a:t>JNE:</a:t>
+            </a:r>
+            <a:r>
+              <a:rPr lang="zh-TW" altLang="en-US" dirty="0" smtClean="0"/>
+              <a:t> </a:t>
+            </a:r>
+            <a:r>
+              <a:rPr lang="en-US" sz="1200" kern="1200" dirty="0" smtClean="0">
+                <a:solidFill>
+                  <a:schemeClr val="tx1"/>
+                </a:solidFill>
+                <a:effectLst/>
+                <a:latin typeface="+mn-lt"/>
+                <a:ea typeface="+mn-ea"/>
+                <a:cs typeface="+mn-cs"/>
+              </a:rPr>
+              <a:t>The joint neural embedding</a:t>
+            </a:r>
+            <a:r>
+              <a:rPr lang="en-US" altLang="zh-TW" sz="1200" kern="1200" dirty="0" smtClean="0">
+                <a:solidFill>
+                  <a:schemeClr val="tx1"/>
+                </a:solidFill>
+                <a:effectLst/>
+                <a:latin typeface="+mn-lt"/>
+                <a:ea typeface="+mn-ea"/>
+                <a:cs typeface="+mn-cs"/>
+              </a:rPr>
+              <a:t>,</a:t>
+            </a:r>
+            <a:r>
+              <a:rPr lang="zh-TW" altLang="en-US" sz="1200" kern="1200" baseline="0" dirty="0" smtClean="0">
+                <a:solidFill>
+                  <a:schemeClr val="tx1"/>
+                </a:solidFill>
+                <a:effectLst/>
+                <a:latin typeface="+mn-lt"/>
+                <a:ea typeface="+mn-ea"/>
+                <a:cs typeface="+mn-cs"/>
+              </a:rPr>
+              <a:t> </a:t>
+            </a:r>
+            <a:r>
+              <a:rPr lang="en-US" sz="1200" kern="1200" dirty="0" smtClean="0">
+                <a:solidFill>
+                  <a:schemeClr val="tx1"/>
+                </a:solidFill>
+                <a:effectLst/>
+                <a:latin typeface="+mn-lt"/>
+                <a:ea typeface="+mn-ea"/>
+                <a:cs typeface="+mn-cs"/>
+              </a:rPr>
+              <a:t>each attribute is modeled as a separate prediction task, thus the correlation between attributes (like seeing one attribute makes it more likely to see another simultaneously) is ignored</a:t>
+            </a:r>
+            <a:r>
+              <a:rPr lang="en-US" altLang="zh-TW" sz="1200" kern="1200" dirty="0" smtClean="0">
+                <a:solidFill>
+                  <a:schemeClr val="tx1"/>
+                </a:solidFill>
+                <a:effectLst/>
+                <a:latin typeface="+mn-lt"/>
+                <a:ea typeface="+mn-ea"/>
+                <a:cs typeface="+mn-cs"/>
+              </a:rPr>
+              <a:t>.</a:t>
+            </a:r>
+            <a:endParaRPr lang="en-US" dirty="0" smtClean="0"/>
+          </a:p>
+          <a:p>
+            <a:pPr marL="0" marR="0" indent="0" algn="l" defTabSz="914400" rtl="0" eaLnBrk="1" fontAlgn="auto" latinLnBrk="0" hangingPunct="1">
+              <a:lnSpc>
+                <a:spcPct val="100000"/>
+              </a:lnSpc>
+              <a:spcBef>
+                <a:spcPts val="0"/>
+              </a:spcBef>
+              <a:spcAft>
+                <a:spcPts val="0"/>
+              </a:spcAft>
+              <a:buClrTx/>
+              <a:buSzTx/>
+              <a:buFontTx/>
+              <a:buNone/>
+              <a:tabLst/>
+              <a:defRPr/>
+            </a:pPr>
+            <a:endParaRPr lang="en-US" dirty="0" smtClean="0"/>
+          </a:p>
+          <a:p>
+            <a:pPr marL="0" marR="0" indent="0" algn="l" defTabSz="914400" rtl="0" eaLnBrk="1" fontAlgn="auto" latinLnBrk="0" hangingPunct="1">
+              <a:lnSpc>
+                <a:spcPct val="100000"/>
+              </a:lnSpc>
+              <a:spcBef>
+                <a:spcPts val="0"/>
+              </a:spcBef>
+              <a:spcAft>
+                <a:spcPts val="0"/>
+              </a:spcAft>
+              <a:buClrTx/>
+              <a:buSzTx/>
+              <a:buFontTx/>
+              <a:buNone/>
+              <a:tabLst/>
+              <a:defRPr/>
+            </a:pPr>
+            <a:endParaRPr lang="en-US" dirty="0" smtClean="0"/>
+          </a:p>
+          <a:p>
+            <a:pPr marL="0" marR="0" indent="0" algn="l" defTabSz="914400" rtl="0" eaLnBrk="1" fontAlgn="auto" latinLnBrk="0" hangingPunct="1">
+              <a:lnSpc>
+                <a:spcPct val="100000"/>
+              </a:lnSpc>
+              <a:spcBef>
+                <a:spcPts val="0"/>
+              </a:spcBef>
+              <a:spcAft>
+                <a:spcPts val="0"/>
+              </a:spcAft>
+              <a:buClrTx/>
+              <a:buSzTx/>
+              <a:buFontTx/>
+              <a:buNone/>
+              <a:tabLst/>
+              <a:defRPr/>
+            </a:pPr>
+            <a:endParaRPr lang="en-US" dirty="0" smtClean="0"/>
           </a:p>
         </p:txBody>
       </p:sp>
@@ -1115,7 +1468,7 @@
           <a:p>
             <a:fld id="{0470DE78-09D1-45DA-A4C0-9EBDEC1D184B}" type="slidenum">
               <a:rPr lang="zh-TW" altLang="en-US" smtClean="0"/>
-              <a:t>21</a:t>
+              <a:t>22</a:t>
             </a:fld>
             <a:endParaRPr lang="zh-TW" altLang="en-US"/>
           </a:p>
@@ -1124,7 +1477,7 @@
     </p:spTree>
     <p:extLst>
       <p:ext uri="{BB962C8B-B14F-4D97-AF65-F5344CB8AC3E}">
-        <p14:creationId xmlns:p14="http://schemas.microsoft.com/office/powerpoint/2010/main" val="8324449"/>
+        <p14:creationId xmlns:p14="http://schemas.microsoft.com/office/powerpoint/2010/main" val="1184877978"/>
       </p:ext>
     </p:extLst>
   </p:cSld>
@@ -1196,15 +1549,7 @@
               <a:defRPr/>
             </a:pPr>
             <a:r>
-              <a:rPr lang="en-US" altLang="zh-TW" dirty="0" smtClean="0"/>
-              <a:t>POP:</a:t>
-            </a:r>
-            <a:r>
-              <a:rPr lang="zh-TW" altLang="en-US" dirty="0" smtClean="0"/>
-              <a:t> </a:t>
-            </a:r>
-            <a:r>
-              <a:rPr lang="en-US" altLang="zh-TW" sz="1200" kern="1200" dirty="0" smtClean="0">
+              <a:rPr lang="en-US" sz="1200" kern="1200" dirty="0" smtClean="0">
                 <a:solidFill>
                   <a:schemeClr val="tx1"/>
                 </a:solidFill>
@@ -1213,337 +1558,7 @@
                 <a:ea typeface="+mn-ea"/>
                 <a:cs typeface="+mn-cs"/>
               </a:rPr>
-              <a:t>P</a:t>
-            </a:r>
-            <a:r>
-              <a:rPr lang="en-US" sz="1200" kern="1200" dirty="0" smtClean="0">
-                <a:solidFill>
-                  <a:schemeClr val="tx1"/>
-                </a:solidFill>
-                <a:effectLst/>
-                <a:latin typeface="+mn-lt"/>
-                <a:ea typeface="+mn-ea"/>
-                <a:cs typeface="+mn-cs"/>
-              </a:rPr>
-              <a:t>opular combination of demographic attributes</a:t>
-            </a:r>
-            <a:r>
-              <a:rPr lang="en-US" altLang="zh-TW" sz="1200" kern="1200" dirty="0" smtClean="0">
-                <a:solidFill>
-                  <a:schemeClr val="tx1"/>
-                </a:solidFill>
-                <a:effectLst/>
-                <a:latin typeface="+mn-lt"/>
-                <a:ea typeface="+mn-ea"/>
-                <a:cs typeface="+mn-cs"/>
-              </a:rPr>
-              <a:t>.</a:t>
-            </a:r>
-            <a:r>
-              <a:rPr lang="en-US" sz="1200" kern="1200" dirty="0" smtClean="0">
-                <a:solidFill>
-                  <a:schemeClr val="tx1"/>
-                </a:solidFill>
-                <a:effectLst/>
-                <a:latin typeface="+mn-lt"/>
-                <a:ea typeface="+mn-ea"/>
-                <a:cs typeface="+mn-cs"/>
-              </a:rPr>
-              <a:t> </a:t>
-            </a:r>
-            <a:r>
-              <a:rPr lang="en-US" altLang="zh-TW" sz="1200" kern="1200" dirty="0" smtClean="0">
-                <a:solidFill>
-                  <a:schemeClr val="tx1"/>
-                </a:solidFill>
-                <a:effectLst/>
-                <a:latin typeface="+mn-lt"/>
-                <a:ea typeface="+mn-ea"/>
-                <a:cs typeface="+mn-cs"/>
-              </a:rPr>
-              <a:t>H</a:t>
-            </a:r>
-            <a:r>
-              <a:rPr lang="en-US" sz="1200" kern="1200" dirty="0" smtClean="0">
-                <a:solidFill>
-                  <a:schemeClr val="tx1"/>
-                </a:solidFill>
-                <a:effectLst/>
-                <a:latin typeface="+mn-lt"/>
-                <a:ea typeface="+mn-ea"/>
-                <a:cs typeface="+mn-cs"/>
-              </a:rPr>
-              <a:t>euristic baseline ignores users’ purchase history, and only relies on the correlations among demographic attributes for prediction</a:t>
-            </a:r>
-            <a:r>
-              <a:rPr lang="en-US" altLang="zh-TW" sz="1200" kern="1200" dirty="0" smtClean="0">
-                <a:solidFill>
-                  <a:schemeClr val="tx1"/>
-                </a:solidFill>
-                <a:effectLst/>
-                <a:latin typeface="+mn-lt"/>
-                <a:ea typeface="+mn-ea"/>
-                <a:cs typeface="+mn-cs"/>
-              </a:rPr>
-              <a:t>.</a:t>
-            </a:r>
-          </a:p>
-          <a:p>
-            <a:pPr marL="0" marR="0" indent="0" algn="l" defTabSz="914400" rtl="0" eaLnBrk="1" fontAlgn="auto" latinLnBrk="0" hangingPunct="1">
-              <a:lnSpc>
-                <a:spcPct val="100000"/>
-              </a:lnSpc>
-              <a:spcBef>
-                <a:spcPts val="0"/>
-              </a:spcBef>
-              <a:spcAft>
-                <a:spcPts val="0"/>
-              </a:spcAft>
-              <a:buClrTx/>
-              <a:buSzTx/>
-              <a:buFontTx/>
-              <a:buNone/>
-              <a:tabLst/>
-              <a:defRPr/>
-            </a:pPr>
-            <a:r>
-              <a:rPr lang="en-US" altLang="zh-TW" sz="1200" kern="1200" dirty="0" smtClean="0">
-                <a:solidFill>
-                  <a:schemeClr val="tx1"/>
-                </a:solidFill>
-                <a:effectLst/>
-                <a:latin typeface="+mn-lt"/>
-                <a:ea typeface="+mn-ea"/>
-                <a:cs typeface="+mn-cs"/>
-              </a:rPr>
-              <a:t>SVD-single:</a:t>
-            </a:r>
-            <a:r>
-              <a:rPr lang="zh-TW" altLang="en-US" sz="1200" kern="1200" baseline="0" dirty="0" smtClean="0">
-                <a:solidFill>
-                  <a:schemeClr val="tx1"/>
-                </a:solidFill>
-                <a:effectLst/>
-                <a:latin typeface="+mn-lt"/>
-                <a:ea typeface="+mn-ea"/>
-                <a:cs typeface="+mn-cs"/>
-              </a:rPr>
-              <a:t> </a:t>
-            </a:r>
-            <a:r>
-              <a:rPr lang="en-US" sz="1200" kern="1200" dirty="0" smtClean="0">
-                <a:solidFill>
-                  <a:schemeClr val="tx1"/>
-                </a:solidFill>
-                <a:effectLst/>
-                <a:latin typeface="+mn-lt"/>
-                <a:ea typeface="+mn-ea"/>
-                <a:cs typeface="+mn-cs"/>
-              </a:rPr>
-              <a:t>obtain low dimensional representations of users</a:t>
-            </a:r>
-            <a:r>
-              <a:rPr lang="en-US" altLang="zh-TW" sz="1200" kern="1200" dirty="0" smtClean="0">
-                <a:solidFill>
-                  <a:schemeClr val="tx1"/>
-                </a:solidFill>
-                <a:effectLst/>
-                <a:latin typeface="+mn-lt"/>
-                <a:ea typeface="+mn-ea"/>
-                <a:cs typeface="+mn-cs"/>
-              </a:rPr>
-              <a:t>,</a:t>
-            </a:r>
-            <a:r>
-              <a:rPr lang="zh-TW" altLang="en-US" sz="1200" kern="1200" dirty="0" smtClean="0">
-                <a:solidFill>
-                  <a:schemeClr val="tx1"/>
-                </a:solidFill>
-                <a:effectLst/>
-                <a:latin typeface="+mn-lt"/>
-                <a:ea typeface="+mn-ea"/>
-                <a:cs typeface="+mn-cs"/>
-              </a:rPr>
-              <a:t> </a:t>
-            </a:r>
-            <a:r>
-              <a:rPr lang="en-US" sz="1200" kern="1200" dirty="0" smtClean="0">
-                <a:solidFill>
-                  <a:schemeClr val="tx1"/>
-                </a:solidFill>
-                <a:effectLst/>
-                <a:latin typeface="+mn-lt"/>
-                <a:ea typeface="+mn-ea"/>
-                <a:cs typeface="+mn-cs"/>
-              </a:rPr>
-              <a:t>predict each demographic attribute separately</a:t>
-            </a:r>
-            <a:r>
-              <a:rPr lang="en-US" altLang="zh-TW" sz="1200" kern="1200" dirty="0" smtClean="0">
-                <a:solidFill>
-                  <a:schemeClr val="tx1"/>
-                </a:solidFill>
-                <a:effectLst/>
-                <a:latin typeface="+mn-lt"/>
-                <a:ea typeface="+mn-ea"/>
-                <a:cs typeface="+mn-cs"/>
-              </a:rPr>
-              <a:t>.</a:t>
-            </a:r>
-          </a:p>
-          <a:p>
-            <a:pPr marL="0" marR="0" indent="0" algn="l" defTabSz="914400" rtl="0" eaLnBrk="1" fontAlgn="auto" latinLnBrk="0" hangingPunct="1">
-              <a:lnSpc>
-                <a:spcPct val="100000"/>
-              </a:lnSpc>
-              <a:spcBef>
-                <a:spcPts val="0"/>
-              </a:spcBef>
-              <a:spcAft>
-                <a:spcPts val="0"/>
-              </a:spcAft>
-              <a:buClrTx/>
-              <a:buSzTx/>
-              <a:buFontTx/>
-              <a:buNone/>
-              <a:tabLst/>
-              <a:defRPr/>
-            </a:pPr>
-            <a:r>
-              <a:rPr lang="en-US" sz="1200" kern="1200" dirty="0" smtClean="0">
-                <a:solidFill>
-                  <a:schemeClr val="tx1"/>
-                </a:solidFill>
-                <a:effectLst/>
-                <a:latin typeface="+mn-lt"/>
-                <a:ea typeface="+mn-ea"/>
-                <a:cs typeface="+mn-cs"/>
-              </a:rPr>
-              <a:t>SVD-Structured</a:t>
-            </a:r>
-            <a:r>
-              <a:rPr lang="en-US" altLang="zh-TW" sz="1200" kern="1200" dirty="0" smtClean="0">
-                <a:solidFill>
-                  <a:schemeClr val="tx1"/>
-                </a:solidFill>
-                <a:effectLst/>
-                <a:latin typeface="+mn-lt"/>
-                <a:ea typeface="+mn-ea"/>
-                <a:cs typeface="+mn-cs"/>
-              </a:rPr>
-              <a:t>:</a:t>
-            </a:r>
-            <a:r>
-              <a:rPr lang="zh-TW" altLang="en-US" sz="1200" kern="1200" baseline="0" dirty="0" smtClean="0">
-                <a:solidFill>
-                  <a:schemeClr val="tx1"/>
-                </a:solidFill>
-                <a:effectLst/>
-                <a:latin typeface="+mn-lt"/>
-                <a:ea typeface="+mn-ea"/>
-                <a:cs typeface="+mn-cs"/>
-              </a:rPr>
-              <a:t> </a:t>
-            </a:r>
-            <a:r>
-              <a:rPr lang="en-US" sz="1200" kern="1200" dirty="0" smtClean="0">
-                <a:solidFill>
-                  <a:schemeClr val="tx1"/>
-                </a:solidFill>
-                <a:effectLst/>
-                <a:latin typeface="+mn-lt"/>
-                <a:ea typeface="+mn-ea"/>
-                <a:cs typeface="+mn-cs"/>
-              </a:rPr>
-              <a:t>a structured learning model (i.e., log-bilinear model) </a:t>
-            </a:r>
-            <a:endParaRPr lang="en-US" dirty="0" smtClean="0"/>
-          </a:p>
-          <a:p>
-            <a:pPr marL="0" marR="0" indent="0" algn="l" defTabSz="914400" rtl="0" eaLnBrk="1" fontAlgn="auto" latinLnBrk="0" hangingPunct="1">
-              <a:lnSpc>
-                <a:spcPct val="100000"/>
-              </a:lnSpc>
-              <a:spcBef>
-                <a:spcPts val="0"/>
-              </a:spcBef>
-              <a:spcAft>
-                <a:spcPts val="0"/>
-              </a:spcAft>
-              <a:buClrTx/>
-              <a:buSzTx/>
-              <a:buFontTx/>
-              <a:buNone/>
-              <a:tabLst/>
-              <a:defRPr/>
-            </a:pPr>
-            <a:r>
-              <a:rPr lang="en-US" altLang="zh-TW" dirty="0" smtClean="0"/>
-              <a:t>JNE:</a:t>
-            </a:r>
-            <a:r>
-              <a:rPr lang="zh-TW" altLang="en-US" dirty="0" smtClean="0"/>
-              <a:t> </a:t>
-            </a:r>
-            <a:r>
-              <a:rPr lang="en-US" sz="1200" kern="1200" dirty="0" smtClean="0">
-                <a:solidFill>
-                  <a:schemeClr val="tx1"/>
-                </a:solidFill>
-                <a:effectLst/>
-                <a:latin typeface="+mn-lt"/>
-                <a:ea typeface="+mn-ea"/>
-                <a:cs typeface="+mn-cs"/>
-              </a:rPr>
-              <a:t>The joint neural embedding</a:t>
-            </a:r>
-            <a:r>
-              <a:rPr lang="en-US" altLang="zh-TW" sz="1200" kern="1200" dirty="0" smtClean="0">
-                <a:solidFill>
-                  <a:schemeClr val="tx1"/>
-                </a:solidFill>
-                <a:effectLst/>
-                <a:latin typeface="+mn-lt"/>
-                <a:ea typeface="+mn-ea"/>
-                <a:cs typeface="+mn-cs"/>
-              </a:rPr>
-              <a:t>,</a:t>
-            </a:r>
-            <a:r>
-              <a:rPr lang="zh-TW" altLang="en-US" sz="1200" kern="1200" baseline="0" dirty="0" smtClean="0">
-                <a:solidFill>
-                  <a:schemeClr val="tx1"/>
-                </a:solidFill>
-                <a:effectLst/>
-                <a:latin typeface="+mn-lt"/>
-                <a:ea typeface="+mn-ea"/>
-                <a:cs typeface="+mn-cs"/>
-              </a:rPr>
-              <a:t> </a:t>
-            </a:r>
-            <a:r>
-              <a:rPr lang="en-US" sz="1200" kern="1200" dirty="0" smtClean="0">
-                <a:solidFill>
-                  <a:schemeClr val="tx1"/>
-                </a:solidFill>
-                <a:effectLst/>
-                <a:latin typeface="+mn-lt"/>
-                <a:ea typeface="+mn-ea"/>
-                <a:cs typeface="+mn-cs"/>
-              </a:rPr>
-              <a:t>each attribute is modeled as a separate prediction task, thus the correlation between at- tributes (like seeing one attribute makes it more likely to see another simultaneously) is ignored</a:t>
-            </a:r>
-            <a:r>
-              <a:rPr lang="en-US" altLang="zh-TW" sz="1200" kern="1200" dirty="0" smtClean="0">
-                <a:solidFill>
-                  <a:schemeClr val="tx1"/>
-                </a:solidFill>
-                <a:effectLst/>
-                <a:latin typeface="+mn-lt"/>
-                <a:ea typeface="+mn-ea"/>
-                <a:cs typeface="+mn-cs"/>
-              </a:rPr>
-              <a:t>.</a:t>
+              <a:t>In other words, the performance gain of SNE is larger on inactive users than medium and active users. The results indicate that structured prediction can work better by leveraging the correlation between tasks to compensate the limited input information, as compared with joint prediction. </a:t>
             </a:r>
             <a:endParaRPr lang="en-US" dirty="0" smtClean="0"/>
           </a:p>
@@ -1567,46 +1582,6 @@
             </a:pPr>
             <a:endParaRPr lang="en-US" dirty="0" smtClean="0"/>
           </a:p>
-          <a:p>
-            <a:pPr marL="0" marR="0" indent="0" algn="l" defTabSz="914400" rtl="0" eaLnBrk="1" fontAlgn="auto" latinLnBrk="0" hangingPunct="1">
-              <a:lnSpc>
-                <a:spcPct val="100000"/>
-              </a:lnSpc>
-              <a:spcBef>
-                <a:spcPts val="0"/>
-              </a:spcBef>
-              <a:spcAft>
-                <a:spcPts val="0"/>
-              </a:spcAft>
-              <a:buClrTx/>
-              <a:buSzTx/>
-              <a:buFontTx/>
-              <a:buNone/>
-              <a:tabLst/>
-              <a:defRPr/>
-            </a:pPr>
-            <a:endParaRPr lang="en-US" dirty="0" smtClean="0"/>
-          </a:p>
-          <a:p>
-            <a:pPr marL="0" marR="0" indent="0" algn="l" defTabSz="914400" rtl="0" eaLnBrk="1" fontAlgn="auto" latinLnBrk="0" hangingPunct="1">
-              <a:lnSpc>
-                <a:spcPct val="100000"/>
-              </a:lnSpc>
-              <a:spcBef>
-                <a:spcPts val="0"/>
-              </a:spcBef>
-              <a:spcAft>
-                <a:spcPts val="0"/>
-              </a:spcAft>
-              <a:buClrTx/>
-              <a:buSzTx/>
-              <a:buFontTx/>
-              <a:buNone/>
-              <a:tabLst/>
-              <a:defRPr/>
-            </a:pPr>
-            <a:endParaRPr lang="en-US" dirty="0" smtClean="0"/>
-          </a:p>
         </p:txBody>
       </p:sp>
       <p:sp>
@@ -1626,7 +1601,7 @@
           <a:p>
             <a:fld id="{0470DE78-09D1-45DA-A4C0-9EBDEC1D184B}" type="slidenum">
               <a:rPr lang="zh-TW" altLang="en-US" smtClean="0"/>
-              <a:t>22</a:t>
+              <a:t>25</a:t>
             </a:fld>
             <a:endParaRPr lang="zh-TW" altLang="en-US"/>
           </a:p>
@@ -1635,7 +1610,7 @@
     </p:spTree>
     <p:extLst>
       <p:ext uri="{BB962C8B-B14F-4D97-AF65-F5344CB8AC3E}">
-        <p14:creationId xmlns:p14="http://schemas.microsoft.com/office/powerpoint/2010/main" val="1184877978"/>
+        <p14:creationId xmlns:p14="http://schemas.microsoft.com/office/powerpoint/2010/main" val="1549637723"/>
       </p:ext>
     </p:extLst>
   </p:cSld>
@@ -1716,29 +1691,11 @@
                 <a:ea typeface="+mn-ea"/>
                 <a:cs typeface="+mn-cs"/>
               </a:rPr>
-              <a:t>In other words, the performance gain of SNE is larger on inactive users than medium and active users. The results indicate that structured prediction can work better by leveraging the correlation between tasks to compensate the limited input information, as compared with joint prediction. </a:t>
-            </a:r>
-            <a:endParaRPr lang="en-US" dirty="0" smtClean="0"/>
-          </a:p>
-          <a:p>
-            <a:pPr marL="0" marR="0" indent="0" algn="l" defTabSz="914400" rtl="0" eaLnBrk="1" fontAlgn="auto" latinLnBrk="0" hangingPunct="1">
-              <a:lnSpc>
-                <a:spcPct val="100000"/>
-              </a:lnSpc>
-              <a:spcBef>
-                <a:spcPts val="0"/>
-              </a:spcBef>
-              <a:spcAft>
-                <a:spcPts val="0"/>
-              </a:spcAft>
-              <a:buClrTx/>
-              <a:buSzTx/>
-              <a:buFontTx/>
-              <a:buNone/>
-              <a:tabLst/>
-              <a:defRPr/>
-            </a:pPr>
-            <a:endParaRPr lang="en-US" dirty="0" smtClean="0"/>
+              <a:t>which can not only learn the data representations automatically but also capture the relations between different attributes in a structured way. </a:t>
+            </a:r>
+          </a:p>
+          <a:p>
+            <a:endParaRPr lang="en-US" dirty="0"/>
           </a:p>
         </p:txBody>
       </p:sp>
@@ -1759,122 +1716,7 @@
           <a:p>
             <a:fld id="{0470DE78-09D1-45DA-A4C0-9EBDEC1D184B}" type="slidenum">
               <a:rPr lang="zh-TW" altLang="en-US" smtClean="0"/>
-              <a:t>24</a:t>
-            </a:fld>
-            <a:endParaRPr lang="zh-TW" altLang="en-US"/>
-          </a:p>
-        </p:txBody>
-      </p:sp>
-    </p:spTree>
-    <p:extLst>
-      <p:ext uri="{BB962C8B-B14F-4D97-AF65-F5344CB8AC3E}">
-        <p14:creationId xmlns:p14="http://schemas.microsoft.com/office/powerpoint/2010/main" val="1549637723"/>
-      </p:ext>
-    </p:extLst>
-  </p:cSld>
-  <p:clrMapOvr>
-    <a:masterClrMapping/>
-  </p:clrMapOvr>
-</p:notes>
-</file>
-
-<file path=ppt/notesSlides/notesSlide15.xml><?xml version="1.0" encoding="utf-8"?>
-<p:notes xmlns:a="http://schemas.openxmlformats.org/drawingml/2006/main" xmlns:r="http://schemas.openxmlformats.org/officeDocument/2006/relationships" xmlns:p="http://schemas.openxmlformats.org/presentationml/2006/main">
-  <p:cSld>
-    <p:spTree>
-      <p:nvGrpSpPr>
-        <p:cNvPr id="1" name=""/>
-        <p:cNvGrpSpPr/>
-        <p:nvPr/>
-      </p:nvGrpSpPr>
-      <p:grpSpPr>
-        <a:xfrm>
-          <a:off x="0" y="0"/>
-          <a:ext cx="0" cy="0"/>
-          <a:chOff x="0" y="0"/>
-          <a:chExt cx="0" cy="0"/>
-        </a:xfrm>
-      </p:grpSpPr>
-      <p:sp>
-        <p:nvSpPr>
-          <p:cNvPr id="2" name="Slide Image Placeholder 1"/>
-          <p:cNvSpPr>
-            <a:spLocks noGrp="1" noRot="1" noChangeAspect="1"/>
-          </p:cNvSpPr>
-          <p:nvPr>
-            <p:ph type="sldImg"/>
-          </p:nvPr>
-        </p:nvSpPr>
-        <p:spPr/>
-      </p:sp>
-      <p:sp>
-        <p:nvSpPr>
-          <p:cNvPr id="3" name="Notes Placeholder 2"/>
-          <p:cNvSpPr>
-            <a:spLocks noGrp="1"/>
-          </p:cNvSpPr>
-          <p:nvPr>
-            <p:ph type="body" idx="1"/>
-          </p:nvPr>
-        </p:nvSpPr>
-        <p:spPr/>
-        <p:txBody>
-          <a:bodyPr/>
-          <a:lstStyle/>
-          <a:p>
-            <a:pPr marL="0" marR="0" indent="0" algn="l" defTabSz="914400" rtl="0" eaLnBrk="1" fontAlgn="auto" latinLnBrk="0" hangingPunct="1">
-              <a:lnSpc>
-                <a:spcPct val="100000"/>
-              </a:lnSpc>
-              <a:spcBef>
-                <a:spcPts val="0"/>
-              </a:spcBef>
-              <a:spcAft>
-                <a:spcPts val="0"/>
-              </a:spcAft>
-              <a:buClrTx/>
-              <a:buSzTx/>
-              <a:buFontTx/>
-              <a:buNone/>
-              <a:tabLst/>
-              <a:defRPr/>
-            </a:pPr>
-            <a:r>
-              <a:rPr lang="en-US" sz="1200" kern="1200" dirty="0" smtClean="0">
-                <a:solidFill>
-                  <a:schemeClr val="tx1"/>
-                </a:solidFill>
-                <a:effectLst/>
-                <a:latin typeface="+mn-lt"/>
-                <a:ea typeface="+mn-ea"/>
-                <a:cs typeface="+mn-cs"/>
-              </a:rPr>
-              <a:t>which can not only learn the data representations automatically but also capture the relations between different attributes in a structured way. </a:t>
-            </a:r>
-          </a:p>
-          <a:p>
-            <a:endParaRPr lang="en-US" dirty="0"/>
-          </a:p>
-        </p:txBody>
-      </p:sp>
-      <p:sp>
-        <p:nvSpPr>
-          <p:cNvPr id="4" name="Slide Number Placeholder 3"/>
-          <p:cNvSpPr>
-            <a:spLocks noGrp="1"/>
-          </p:cNvSpPr>
-          <p:nvPr>
-            <p:ph type="sldNum" sz="quarter" idx="10"/>
-          </p:nvPr>
-        </p:nvSpPr>
-        <p:spPr/>
-        <p:txBody>
-          <a:bodyPr/>
-          <a:lstStyle/>
-          <a:p>
-            <a:fld id="{0470DE78-09D1-45DA-A4C0-9EBDEC1D184B}" type="slidenum">
-              <a:rPr lang="zh-TW" altLang="en-US" smtClean="0"/>
-              <a:t>25</a:t>
+              <a:t>26</a:t>
             </a:fld>
             <a:endParaRPr lang="zh-TW" altLang="en-US"/>
           </a:p>
@@ -1995,31 +1837,7 @@
                 <a:ea typeface="+mn-ea"/>
                 <a:cs typeface="+mn-cs"/>
               </a:rPr>
-              <a:t>seldom </a:t>
-            </a:r>
-            <a:r>
-              <a:rPr lang="en-US" sz="1200" kern="1200" dirty="0" err="1" smtClean="0">
-                <a:solidFill>
-                  <a:schemeClr val="tx1"/>
-                </a:solidFill>
-                <a:effectLst/>
-                <a:latin typeface="+mn-lt"/>
-                <a:ea typeface="+mn-ea"/>
-                <a:cs typeface="+mn-cs"/>
-              </a:rPr>
-              <a:t>prac</a:t>
-            </a:r>
-            <a:r>
-              <a:rPr lang="en-US" sz="1200" kern="1200" dirty="0" smtClean="0">
-                <a:solidFill>
-                  <a:schemeClr val="tx1"/>
-                </a:solidFill>
-                <a:effectLst/>
-                <a:latin typeface="+mn-lt"/>
-                <a:ea typeface="+mn-ea"/>
-                <a:cs typeface="+mn-cs"/>
-              </a:rPr>
-              <a:t>- tice has been conducted on demographic prediction based on purchase behaviors in retail scenario</a:t>
+              <a:t>seldom practice has been conducted on demographic prediction based on purchase behaviors in retail scenario</a:t>
             </a:r>
             <a:r>
               <a:rPr lang="en-US" altLang="zh-TW" sz="1200" kern="1200" dirty="0" smtClean="0">
@@ -2147,55 +1965,7 @@
                 <a:ea typeface="+mn-ea"/>
                 <a:cs typeface="+mn-cs"/>
               </a:rPr>
-              <a:t>The idea of learning multiple tasks together is to improve the generalization performance by leveraging the </a:t>
-            </a:r>
-            <a:r>
-              <a:rPr lang="en-US" sz="1200" kern="1200" dirty="0" err="1" smtClean="0">
-                <a:solidFill>
-                  <a:schemeClr val="tx1"/>
-                </a:solidFill>
-                <a:effectLst/>
-                <a:latin typeface="+mn-lt"/>
-                <a:ea typeface="+mn-ea"/>
-                <a:cs typeface="+mn-cs"/>
-              </a:rPr>
-              <a:t>informa</a:t>
-            </a:r>
-            <a:r>
-              <a:rPr lang="en-US" sz="1200" kern="1200" dirty="0" smtClean="0">
-                <a:solidFill>
-                  <a:schemeClr val="tx1"/>
-                </a:solidFill>
-                <a:effectLst/>
-                <a:latin typeface="+mn-lt"/>
-                <a:ea typeface="+mn-ea"/>
-                <a:cs typeface="+mn-cs"/>
-              </a:rPr>
-              <a:t>- </a:t>
-            </a:r>
-            <a:r>
-              <a:rPr lang="en-US" sz="1200" kern="1200" dirty="0" err="1" smtClean="0">
-                <a:solidFill>
-                  <a:schemeClr val="tx1"/>
-                </a:solidFill>
-                <a:effectLst/>
-                <a:latin typeface="+mn-lt"/>
-                <a:ea typeface="+mn-ea"/>
-                <a:cs typeface="+mn-cs"/>
-              </a:rPr>
-              <a:t>tion</a:t>
-            </a:r>
-            <a:r>
-              <a:rPr lang="en-US" sz="1200" kern="1200" dirty="0" smtClean="0">
-                <a:solidFill>
-                  <a:schemeClr val="tx1"/>
-                </a:solidFill>
-                <a:effectLst/>
-                <a:latin typeface="+mn-lt"/>
-                <a:ea typeface="+mn-ea"/>
-                <a:cs typeface="+mn-cs"/>
-              </a:rPr>
-              <a:t> contained in the related tasks. A typical way for this purpose is to learn tasks in parallel while using a shared representation</a:t>
+              <a:t>The idea of learning multiple tasks together is to improve the generalization performance by leveraging the information contained in the related tasks. A typical way for this purpose is to learn tasks in parallel while using a shared representation</a:t>
             </a:r>
             <a:r>
               <a:rPr lang="en-US" altLang="zh-TW" sz="1200" kern="1200" dirty="0" smtClean="0">
@@ -2335,8 +2105,159 @@
                 <a:ea typeface="+mn-ea"/>
                 <a:cs typeface="+mn-cs"/>
               </a:rPr>
-              <a:t>Learning representations of the data makes it easier to extract useful information when building classifiers or other predictors </a:t>
-            </a:r>
+              <a:t>Some recent work employs unsupervised feature learning methods, like Singular Vector Decomposition (SVD), to automatically extract low-dimension features from the raw data</a:t>
+            </a:r>
+            <a:r>
+              <a:rPr lang="en-US" altLang="zh-TW" sz="1200" kern="1200" dirty="0" smtClean="0">
+                <a:solidFill>
+                  <a:schemeClr val="tx1"/>
+                </a:solidFill>
+                <a:effectLst/>
+                <a:latin typeface="+mn-lt"/>
+                <a:ea typeface="+mn-ea"/>
+                <a:cs typeface="+mn-cs"/>
+              </a:rPr>
+              <a:t>.</a:t>
+            </a:r>
+          </a:p>
+          <a:p>
+            <a:pPr marL="0" marR="0" indent="0" algn="l" defTabSz="914400" rtl="0" eaLnBrk="1" fontAlgn="auto" latinLnBrk="0" hangingPunct="1">
+              <a:lnSpc>
+                <a:spcPct val="100000"/>
+              </a:lnSpc>
+              <a:spcBef>
+                <a:spcPts val="0"/>
+              </a:spcBef>
+              <a:spcAft>
+                <a:spcPts val="0"/>
+              </a:spcAft>
+              <a:buClrTx/>
+              <a:buSzTx/>
+              <a:buFontTx/>
+              <a:buNone/>
+              <a:tabLst/>
+              <a:defRPr/>
+            </a:pPr>
+            <a:r>
+              <a:rPr lang="en-US" sz="1200" kern="1200" dirty="0" smtClean="0">
+                <a:solidFill>
+                  <a:schemeClr val="tx1"/>
+                </a:solidFill>
+                <a:effectLst/>
+                <a:latin typeface="+mn-lt"/>
+                <a:ea typeface="+mn-ea"/>
+                <a:cs typeface="+mn-cs"/>
+              </a:rPr>
+              <a:t>For example, users’ marital statuses are more likely to be single if they are young, and a better educated person may have more chance to have higher income</a:t>
+            </a:r>
+            <a:r>
+              <a:rPr lang="en-US" altLang="zh-TW" sz="1200" kern="1200" dirty="0" smtClean="0">
+                <a:solidFill>
+                  <a:schemeClr val="tx1"/>
+                </a:solidFill>
+                <a:effectLst/>
+                <a:latin typeface="+mn-lt"/>
+                <a:ea typeface="+mn-ea"/>
+                <a:cs typeface="+mn-cs"/>
+              </a:rPr>
+              <a:t>.</a:t>
+            </a:r>
+            <a:r>
+              <a:rPr lang="zh-TW" altLang="en-US" sz="1200" kern="1200" dirty="0" smtClean="0">
+                <a:solidFill>
+                  <a:schemeClr val="tx1"/>
+                </a:solidFill>
+                <a:effectLst/>
+                <a:latin typeface="+mn-lt"/>
+                <a:ea typeface="+mn-ea"/>
+                <a:cs typeface="+mn-cs"/>
+              </a:rPr>
+              <a:t> </a:t>
+            </a:r>
+            <a:r>
+              <a:rPr lang="en-US" sz="1200" kern="1200" dirty="0" smtClean="0">
+                <a:solidFill>
+                  <a:schemeClr val="tx1"/>
+                </a:solidFill>
+                <a:effectLst/>
+                <a:latin typeface="+mn-lt"/>
+                <a:ea typeface="+mn-ea"/>
+                <a:cs typeface="+mn-cs"/>
+              </a:rPr>
+              <a:t>However, most previous work treated different attributes as separate prediction tasks, thus ignored the correlations among these attributes</a:t>
+            </a:r>
+            <a:r>
+              <a:rPr lang="en-US" altLang="zh-TW" sz="1200" kern="1200" dirty="0" smtClean="0">
+                <a:solidFill>
+                  <a:schemeClr val="tx1"/>
+                </a:solidFill>
+                <a:effectLst/>
+                <a:latin typeface="+mn-lt"/>
+                <a:ea typeface="+mn-ea"/>
+                <a:cs typeface="+mn-cs"/>
+              </a:rPr>
+              <a:t>.</a:t>
+            </a:r>
+            <a:endParaRPr lang="en-US" dirty="0" smtClean="0"/>
+          </a:p>
+          <a:p>
+            <a:pPr marL="0" marR="0" indent="0" algn="l" defTabSz="914400" rtl="0" eaLnBrk="1" fontAlgn="auto" latinLnBrk="0" hangingPunct="1">
+              <a:lnSpc>
+                <a:spcPct val="100000"/>
+              </a:lnSpc>
+              <a:spcBef>
+                <a:spcPts val="0"/>
+              </a:spcBef>
+              <a:spcAft>
+                <a:spcPts val="0"/>
+              </a:spcAft>
+              <a:buClrTx/>
+              <a:buSzTx/>
+              <a:buFontTx/>
+              <a:buNone/>
+              <a:tabLst/>
+              <a:defRPr/>
+            </a:pPr>
+            <a:endParaRPr lang="en-US" dirty="0" smtClean="0"/>
+          </a:p>
+          <a:p>
+            <a:pPr marL="0" marR="0" indent="0" algn="l" defTabSz="914400" rtl="0" eaLnBrk="1" fontAlgn="auto" latinLnBrk="0" hangingPunct="1">
+              <a:lnSpc>
+                <a:spcPct val="100000"/>
+              </a:lnSpc>
+              <a:spcBef>
+                <a:spcPts val="0"/>
+              </a:spcBef>
+              <a:spcAft>
+                <a:spcPts val="0"/>
+              </a:spcAft>
+              <a:buClrTx/>
+              <a:buSzTx/>
+              <a:buFontTx/>
+              <a:buNone/>
+              <a:tabLst/>
+              <a:defRPr/>
+            </a:pPr>
+            <a:endParaRPr lang="en-US" dirty="0" smtClean="0"/>
+          </a:p>
+          <a:p>
+            <a:pPr marL="0" marR="0" indent="0" algn="l" defTabSz="914400" rtl="0" eaLnBrk="1" fontAlgn="auto" latinLnBrk="0" hangingPunct="1">
+              <a:lnSpc>
+                <a:spcPct val="100000"/>
+              </a:lnSpc>
+              <a:spcBef>
+                <a:spcPts val="0"/>
+              </a:spcBef>
+              <a:spcAft>
+                <a:spcPts val="0"/>
+              </a:spcAft>
+              <a:buClrTx/>
+              <a:buSzTx/>
+              <a:buFontTx/>
+              <a:buNone/>
+              <a:tabLst/>
+              <a:defRPr/>
+            </a:pPr>
             <a:endParaRPr lang="en-US" dirty="0" smtClean="0"/>
           </a:p>
           <a:p>
@@ -2370,7 +2291,7 @@
     </p:spTree>
     <p:extLst>
       <p:ext uri="{BB962C8B-B14F-4D97-AF65-F5344CB8AC3E}">
-        <p14:creationId xmlns:p14="http://schemas.microsoft.com/office/powerpoint/2010/main" val="1678805333"/>
+        <p14:creationId xmlns:p14="http://schemas.microsoft.com/office/powerpoint/2010/main" val="359638854"/>
       </p:ext>
     </p:extLst>
   </p:cSld>
@@ -2451,7 +2372,7 @@
                 <a:ea typeface="+mn-ea"/>
                 <a:cs typeface="+mn-cs"/>
               </a:rPr>
-              <a:t>Some recent work employs unsupervised feature learning methods, like Singular Vector Decomposition (SVD), to automatically extract low-dimension features from the raw data</a:t>
+              <a:t>the correlation among tasks can now be explicitly encoded in this label vector</a:t>
             </a:r>
             <a:r>
               <a:rPr lang="en-US" altLang="zh-TW" sz="1200" kern="1200" dirty="0" smtClean="0">
@@ -2494,144 +2415,8 @@
                 <a:ea typeface="+mn-ea"/>
                 <a:cs typeface="+mn-cs"/>
               </a:rPr>
-              <a:t>For example, users’ marital statuses are more like- </a:t>
-            </a:r>
-            <a:r>
-              <a:rPr lang="en-US" sz="1200" kern="1200" dirty="0" err="1" smtClean="0">
-                <a:solidFill>
-                  <a:schemeClr val="tx1"/>
-                </a:solidFill>
-                <a:effectLst/>
-                <a:latin typeface="+mn-lt"/>
-                <a:ea typeface="+mn-ea"/>
-                <a:cs typeface="+mn-cs"/>
-              </a:rPr>
-              <a:t>ly</a:t>
-            </a:r>
-            <a:r>
-              <a:rPr lang="en-US" sz="1200" kern="1200" dirty="0" smtClean="0">
-                <a:solidFill>
-                  <a:schemeClr val="tx1"/>
-                </a:solidFill>
-                <a:effectLst/>
-                <a:latin typeface="+mn-lt"/>
-                <a:ea typeface="+mn-ea"/>
-                <a:cs typeface="+mn-cs"/>
-              </a:rPr>
-              <a:t> to be single if they are young, and a better educated per- son may have more chance to have higher income</a:t>
-            </a:r>
-            <a:r>
-              <a:rPr lang="en-US" altLang="zh-TW" sz="1200" kern="1200" dirty="0" smtClean="0">
-                <a:solidFill>
-                  <a:schemeClr val="tx1"/>
-                </a:solidFill>
-                <a:effectLst/>
-                <a:latin typeface="+mn-lt"/>
-                <a:ea typeface="+mn-ea"/>
-                <a:cs typeface="+mn-cs"/>
-              </a:rPr>
-              <a:t>.</a:t>
-            </a:r>
-            <a:r>
-              <a:rPr lang="zh-TW" altLang="en-US" sz="1200" kern="1200" dirty="0" smtClean="0">
-                <a:solidFill>
-                  <a:schemeClr val="tx1"/>
-                </a:solidFill>
-                <a:effectLst/>
-                <a:latin typeface="+mn-lt"/>
-                <a:ea typeface="+mn-ea"/>
-                <a:cs typeface="+mn-cs"/>
-              </a:rPr>
-              <a:t> </a:t>
-            </a:r>
-            <a:r>
-              <a:rPr lang="en-US" sz="1200" kern="1200" dirty="0" smtClean="0">
-                <a:solidFill>
-                  <a:schemeClr val="tx1"/>
-                </a:solidFill>
-                <a:effectLst/>
-                <a:latin typeface="+mn-lt"/>
-                <a:ea typeface="+mn-ea"/>
-                <a:cs typeface="+mn-cs"/>
-              </a:rPr>
-              <a:t>However, most previous work treated different attributes as separate prediction tasks, thus ignored the correlations among these attributes</a:t>
-            </a:r>
-            <a:r>
-              <a:rPr lang="en-US" altLang="zh-TW" sz="1200" kern="1200" dirty="0" smtClean="0">
-                <a:solidFill>
-                  <a:schemeClr val="tx1"/>
-                </a:solidFill>
-                <a:effectLst/>
-                <a:latin typeface="+mn-lt"/>
-                <a:ea typeface="+mn-ea"/>
-                <a:cs typeface="+mn-cs"/>
-              </a:rPr>
-              <a:t>.</a:t>
-            </a:r>
-            <a:endParaRPr lang="en-US" dirty="0" smtClean="0"/>
-          </a:p>
-          <a:p>
-            <a:pPr marL="0" marR="0" indent="0" algn="l" defTabSz="914400" rtl="0" eaLnBrk="1" fontAlgn="auto" latinLnBrk="0" hangingPunct="1">
-              <a:lnSpc>
-                <a:spcPct val="100000"/>
-              </a:lnSpc>
-              <a:spcBef>
-                <a:spcPts val="0"/>
-              </a:spcBef>
-              <a:spcAft>
-                <a:spcPts val="0"/>
-              </a:spcAft>
-              <a:buClrTx/>
-              <a:buSzTx/>
-              <a:buFontTx/>
-              <a:buNone/>
-              <a:tabLst/>
-              <a:defRPr/>
-            </a:pPr>
-            <a:endParaRPr lang="en-US" dirty="0" smtClean="0"/>
-          </a:p>
-          <a:p>
-            <a:pPr marL="0" marR="0" indent="0" algn="l" defTabSz="914400" rtl="0" eaLnBrk="1" fontAlgn="auto" latinLnBrk="0" hangingPunct="1">
-              <a:lnSpc>
-                <a:spcPct val="100000"/>
-              </a:lnSpc>
-              <a:spcBef>
-                <a:spcPts val="0"/>
-              </a:spcBef>
-              <a:spcAft>
-                <a:spcPts val="0"/>
-              </a:spcAft>
-              <a:buClrTx/>
-              <a:buSzTx/>
-              <a:buFontTx/>
-              <a:buNone/>
-              <a:tabLst/>
-              <a:defRPr/>
-            </a:pPr>
-            <a:endParaRPr lang="en-US" dirty="0" smtClean="0"/>
-          </a:p>
-          <a:p>
-            <a:pPr marL="0" marR="0" indent="0" algn="l" defTabSz="914400" rtl="0" eaLnBrk="1" fontAlgn="auto" latinLnBrk="0" hangingPunct="1">
-              <a:lnSpc>
-                <a:spcPct val="100000"/>
-              </a:lnSpc>
-              <a:spcBef>
-                <a:spcPts val="0"/>
-              </a:spcBef>
-              <a:spcAft>
-                <a:spcPts val="0"/>
-              </a:spcAft>
-              <a:buClrTx/>
-              <a:buSzTx/>
-              <a:buFontTx/>
-              <a:buNone/>
-              <a:tabLst/>
-              <a:defRPr/>
-            </a:pPr>
-            <a:endParaRPr lang="en-US" dirty="0" smtClean="0"/>
-          </a:p>
-          <a:p>
-            <a:endParaRPr lang="en-US" dirty="0"/>
+              <a:t>e.g. young and single is much more popular than that referring to young and married. </a:t>
+            </a:r>
           </a:p>
         </p:txBody>
       </p:sp>
@@ -2652,7 +2437,7 @@
           <a:p>
             <a:fld id="{0470DE78-09D1-45DA-A4C0-9EBDEC1D184B}" type="slidenum">
               <a:rPr lang="zh-TW" altLang="en-US" smtClean="0"/>
-              <a:t>10</a:t>
+              <a:t>11</a:t>
             </a:fld>
             <a:endParaRPr lang="zh-TW" altLang="en-US"/>
           </a:p>
@@ -2661,7 +2446,7 @@
     </p:spTree>
     <p:extLst>
       <p:ext uri="{BB962C8B-B14F-4D97-AF65-F5344CB8AC3E}">
-        <p14:creationId xmlns:p14="http://schemas.microsoft.com/office/powerpoint/2010/main" val="359638854"/>
+        <p14:creationId xmlns:p14="http://schemas.microsoft.com/office/powerpoint/2010/main" val="937447912"/>
       </p:ext>
     </p:extLst>
   </p:cSld>
@@ -2742,7 +2527,7 @@
                 <a:ea typeface="+mn-ea"/>
                 <a:cs typeface="+mn-cs"/>
               </a:rPr>
-              <a:t>The benefit of this structured formalization is obvious, as the correlation among tasks can now be explicitly encoded in this label vector</a:t>
+              <a:t>take the bag-of-item representation as the user input, and map each item to a vector in a continuous space. We then aggregate all the item vectors using some operator to form the user representation, and feed this representation to a log-bilinear model for the structured prediction</a:t>
             </a:r>
             <a:r>
               <a:rPr lang="en-US" altLang="zh-TW" sz="1200" kern="1200" dirty="0" smtClean="0">
@@ -2756,104 +2541,6 @@
               </a:rPr>
               <a:t>.</a:t>
             </a:r>
-          </a:p>
-          <a:p>
-            <a:pPr marL="0" marR="0" indent="0" algn="l" defTabSz="914400" rtl="0" eaLnBrk="1" fontAlgn="auto" latinLnBrk="0" hangingPunct="1">
-              <a:lnSpc>
-                <a:spcPct val="100000"/>
-              </a:lnSpc>
-              <a:spcBef>
-                <a:spcPts val="0"/>
-              </a:spcBef>
-              <a:spcAft>
-                <a:spcPts val="0"/>
-              </a:spcAft>
-              <a:buClrTx/>
-              <a:buSzTx/>
-              <a:buFontTx/>
-              <a:buNone/>
-              <a:tabLst/>
-              <a:defRPr/>
-            </a:pPr>
-            <a:r>
-              <a:rPr lang="en-US" sz="1200" kern="1200" dirty="0" smtClean="0">
-                <a:solidFill>
-                  <a:schemeClr val="tx1"/>
-                </a:solidFill>
-                <a:effectLst/>
-                <a:latin typeface="+mn-lt"/>
-                <a:ea typeface="+mn-ea"/>
-                <a:cs typeface="+mn-cs"/>
-              </a:rPr>
-              <a:t>e.g. label vector referring to young and single is much more popular than that referring to young and married. </a:t>
-            </a:r>
-          </a:p>
-          <a:p>
-            <a:pPr marL="0" marR="0" indent="0" algn="l" defTabSz="914400" rtl="0" eaLnBrk="1" fontAlgn="auto" latinLnBrk="0" hangingPunct="1">
-              <a:lnSpc>
-                <a:spcPct val="100000"/>
-              </a:lnSpc>
-              <a:spcBef>
-                <a:spcPts val="0"/>
-              </a:spcBef>
-              <a:spcAft>
-                <a:spcPts val="0"/>
-              </a:spcAft>
-              <a:buClrTx/>
-              <a:buSzTx/>
-              <a:buFontTx/>
-              <a:buNone/>
-              <a:tabLst/>
-              <a:defRPr/>
-            </a:pPr>
-            <a:r>
-              <a:rPr lang="en-US" sz="1200" kern="1200" dirty="0" smtClean="0">
-                <a:solidFill>
-                  <a:schemeClr val="tx1"/>
-                </a:solidFill>
-                <a:effectLst/>
-                <a:latin typeface="+mn-lt"/>
-                <a:ea typeface="+mn-ea"/>
-                <a:cs typeface="+mn-cs"/>
-              </a:rPr>
-              <a:t>Therefore, by learn- </a:t>
-            </a:r>
-            <a:r>
-              <a:rPr lang="en-US" sz="1200" kern="1200" dirty="0" err="1" smtClean="0">
-                <a:solidFill>
-                  <a:schemeClr val="tx1"/>
-                </a:solidFill>
-                <a:effectLst/>
-                <a:latin typeface="+mn-lt"/>
-                <a:ea typeface="+mn-ea"/>
-                <a:cs typeface="+mn-cs"/>
-              </a:rPr>
-              <a:t>ing</a:t>
-            </a:r>
-            <a:r>
-              <a:rPr lang="en-US" sz="1200" kern="1200" dirty="0" smtClean="0">
-                <a:solidFill>
-                  <a:schemeClr val="tx1"/>
-                </a:solidFill>
-                <a:effectLst/>
-                <a:latin typeface="+mn-lt"/>
-                <a:ea typeface="+mn-ea"/>
-                <a:cs typeface="+mn-cs"/>
-              </a:rPr>
-              <a:t> based on such structured labels, we can directly learn the features that are useful for revealing the correlation between multiple prediction tasks</a:t>
-            </a:r>
-            <a:r>
-              <a:rPr lang="en-US" altLang="zh-TW" sz="1200" kern="1200" dirty="0" smtClean="0">
-                <a:solidFill>
-                  <a:schemeClr val="tx1"/>
-                </a:solidFill>
-                <a:effectLst/>
-                <a:latin typeface="+mn-lt"/>
-                <a:ea typeface="+mn-ea"/>
-                <a:cs typeface="+mn-cs"/>
-              </a:rPr>
-              <a:t>.</a:t>
-            </a:r>
             <a:endParaRPr lang="en-US" dirty="0" smtClean="0"/>
           </a:p>
         </p:txBody>
@@ -2884,7 +2571,7 @@
     </p:spTree>
     <p:extLst>
       <p:ext uri="{BB962C8B-B14F-4D97-AF65-F5344CB8AC3E}">
-        <p14:creationId xmlns:p14="http://schemas.microsoft.com/office/powerpoint/2010/main" val="937447912"/>
+        <p14:creationId xmlns:p14="http://schemas.microsoft.com/office/powerpoint/2010/main" val="213711189"/>
       </p:ext>
     </p:extLst>
   </p:cSld>
@@ -2965,8 +2652,31 @@
                 <a:ea typeface="+mn-ea"/>
                 <a:cs typeface="+mn-cs"/>
               </a:rPr>
-              <a:t>take </a:t>
-            </a:r>
+              <a:t>log-bilinear model (LBL) </a:t>
+            </a:r>
+            <a:r>
+              <a:rPr lang="en-US" dirty="0" smtClean="0"/>
+              <a:t>is perhaps the simplest neural language model.</a:t>
+            </a:r>
+          </a:p>
+          <a:p>
+            <a:pPr marL="0" marR="0" indent="0" algn="l" defTabSz="914400" rtl="0" eaLnBrk="1" fontAlgn="auto" latinLnBrk="0" hangingPunct="1">
+              <a:lnSpc>
+                <a:spcPct val="100000"/>
+              </a:lnSpc>
+              <a:spcBef>
+                <a:spcPts val="0"/>
+              </a:spcBef>
+              <a:spcAft>
+                <a:spcPts val="0"/>
+              </a:spcAft>
+              <a:buClrTx/>
+              <a:buSzTx/>
+              <a:buFontTx/>
+              <a:buNone/>
+              <a:tabLst/>
+              <a:defRPr/>
+            </a:pPr>
             <a:r>
               <a:rPr lang="en-US" sz="1200" kern="1200" dirty="0" smtClean="0">
                 <a:solidFill>
@@ -2977,8 +2687,27 @@
                 <a:ea typeface="+mn-ea"/>
                 <a:cs typeface="+mn-cs"/>
               </a:rPr>
-              <a:t>the </a:t>
-            </a:r>
+              <a:t>Y denotes all the possible structured vectors of different combinations of attributes.</a:t>
+            </a:r>
+          </a:p>
+          <a:p>
+            <a:pPr marL="0" marR="0" indent="0" algn="l" defTabSz="914400" rtl="0" eaLnBrk="1" fontAlgn="auto" latinLnBrk="0" hangingPunct="1">
+              <a:lnSpc>
+                <a:spcPct val="100000"/>
+              </a:lnSpc>
+              <a:spcBef>
+                <a:spcPts val="0"/>
+              </a:spcBef>
+              <a:spcAft>
+                <a:spcPts val="0"/>
+              </a:spcAft>
+              <a:buClrTx/>
+              <a:buSzTx/>
+              <a:buFontTx/>
+              <a:buNone/>
+              <a:tabLst/>
+              <a:defRPr/>
+            </a:pPr>
             <a:r>
               <a:rPr lang="en-US" sz="1200" kern="1200" dirty="0" smtClean="0">
                 <a:solidFill>
@@ -2989,10 +2718,10 @@
                 <a:ea typeface="+mn-ea"/>
                 <a:cs typeface="+mn-cs"/>
               </a:rPr>
-              <a:t>bag-of-item </a:t>
-            </a:r>
-            <a:r>
-              <a:rPr lang="en-US" sz="1200" kern="1200" dirty="0" smtClean="0">
+              <a:t>The</a:t>
+            </a:r>
+            <a:r>
+              <a:rPr lang="en-US" sz="1200" kern="1200" baseline="0" dirty="0" smtClean="0">
                 <a:solidFill>
                   <a:schemeClr val="tx1"/>
                 </a:solidFill>
@@ -3001,10 +2730,10 @@
                 <a:ea typeface="+mn-ea"/>
                 <a:cs typeface="+mn-cs"/>
               </a:rPr>
-              <a:t>representation as the user input, and map each item to a vector in a continuous space. We then aggregate all the item vectors using some operator to form the user </a:t>
-            </a:r>
-            <a:r>
-              <a:rPr lang="en-US" sz="1200" kern="1200" dirty="0" smtClean="0">
+              <a:t> total size of Y is C1*C2*</a:t>
+            </a:r>
+            <a:r>
+              <a:rPr lang="mr-IN" sz="1200" kern="1200" baseline="0" dirty="0" smtClean="0">
                 <a:solidFill>
                   <a:schemeClr val="tx1"/>
                 </a:solidFill>
@@ -3013,10 +2742,10 @@
                 <a:ea typeface="+mn-ea"/>
                 <a:cs typeface="+mn-cs"/>
               </a:rPr>
-              <a:t>representation</a:t>
-            </a:r>
-            <a:r>
-              <a:rPr lang="en-US" sz="1200" kern="1200" dirty="0" smtClean="0">
+              <a:t>…</a:t>
+            </a:r>
+            <a:r>
+              <a:rPr lang="en-US" sz="1200" kern="1200" baseline="0" dirty="0" smtClean="0">
                 <a:solidFill>
                   <a:schemeClr val="tx1"/>
                 </a:solidFill>
@@ -3025,10 +2754,10 @@
                 <a:ea typeface="+mn-ea"/>
                 <a:cs typeface="+mn-cs"/>
               </a:rPr>
-              <a:t>, and feed this representation to a log-bilinear model for the structured prediction</a:t>
-            </a:r>
-            <a:r>
-              <a:rPr lang="en-US" altLang="zh-TW" sz="1200" kern="1200" dirty="0" smtClean="0">
+              <a:t>*</a:t>
+            </a:r>
+            <a:r>
+              <a:rPr lang="en-US" sz="1200" kern="1200" baseline="0" dirty="0" err="1" smtClean="0">
                 <a:solidFill>
                   <a:schemeClr val="tx1"/>
                 </a:solidFill>
@@ -3037,10 +2766,33 @@
                 <a:ea typeface="+mn-ea"/>
                 <a:cs typeface="+mn-cs"/>
               </a:rPr>
-              <a:t>.</a:t>
+              <a:t>Ck</a:t>
             </a:r>
             <a:endParaRPr lang="en-US" dirty="0" smtClean="0"/>
           </a:p>
+          <a:p>
+            <a:pPr marL="0" marR="0" indent="0" algn="l" defTabSz="914400" rtl="0" eaLnBrk="1" fontAlgn="auto" latinLnBrk="0" hangingPunct="1">
+              <a:lnSpc>
+                <a:spcPct val="100000"/>
+              </a:lnSpc>
+              <a:spcBef>
+                <a:spcPts val="0"/>
+              </a:spcBef>
+              <a:spcAft>
+                <a:spcPts val="0"/>
+              </a:spcAft>
+              <a:buClrTx/>
+              <a:buSzTx/>
+              <a:buFontTx/>
+              <a:buNone/>
+              <a:tabLst/>
+              <a:defRPr/>
+            </a:pPr>
+            <a:endParaRPr lang="en-US" dirty="0" smtClean="0"/>
+          </a:p>
+          <a:p>
+            <a:endParaRPr lang="en-US" dirty="0"/>
+          </a:p>
         </p:txBody>
       </p:sp>
       <p:sp>
@@ -3060,7 +2812,7 @@
           <a:p>
             <a:fld id="{0470DE78-09D1-45DA-A4C0-9EBDEC1D184B}" type="slidenum">
               <a:rPr lang="zh-TW" altLang="en-US" smtClean="0"/>
-              <a:t>13</a:t>
+              <a:t>15</a:t>
             </a:fld>
             <a:endParaRPr lang="zh-TW" altLang="en-US"/>
           </a:p>
@@ -3069,7 +2821,7 @@
     </p:spTree>
     <p:extLst>
       <p:ext uri="{BB962C8B-B14F-4D97-AF65-F5344CB8AC3E}">
-        <p14:creationId xmlns:p14="http://schemas.microsoft.com/office/powerpoint/2010/main" val="213711189"/>
+        <p14:creationId xmlns:p14="http://schemas.microsoft.com/office/powerpoint/2010/main" val="886002517"/>
       </p:ext>
     </p:extLst>
   </p:cSld>
@@ -3150,12 +2902,118 @@
                 <a:ea typeface="+mn-ea"/>
                 <a:cs typeface="+mn-cs"/>
               </a:rPr>
-              <a:t>log-bilinear model</a:t>
+              <a:t>the subscript c denotes a compact version</a:t>
+            </a:r>
+            <a:r>
+              <a:rPr lang="en-US" altLang="zh-TW" sz="1200" kern="1200" dirty="0" smtClean="0">
+                <a:solidFill>
+                  <a:schemeClr val="tx1"/>
+                </a:solidFill>
+                <a:effectLst/>
+                <a:latin typeface="+mn-lt"/>
+                <a:ea typeface="+mn-ea"/>
+                <a:cs typeface="+mn-cs"/>
+              </a:rPr>
+              <a:t>.</a:t>
+            </a:r>
+          </a:p>
+          <a:p>
+            <a:r>
+              <a:rPr lang="en-US" sz="1200" kern="1200" dirty="0" smtClean="0">
+                <a:solidFill>
+                  <a:schemeClr val="tx1"/>
+                </a:solidFill>
+                <a:effectLst/>
+                <a:latin typeface="+mn-lt"/>
+                <a:ea typeface="+mn-ea"/>
+                <a:cs typeface="+mn-cs"/>
+              </a:rPr>
+              <a:t>A compact structured vector c is a concatenation of </a:t>
             </a:r>
             <a:endParaRPr lang="en-US" dirty="0" smtClean="0"/>
           </a:p>
           <a:p>
-            <a:endParaRPr lang="en-US" dirty="0"/>
+            <a:r>
+              <a:rPr lang="en-US" sz="1200" kern="1200" dirty="0" smtClean="0">
+                <a:solidFill>
+                  <a:schemeClr val="tx1"/>
+                </a:solidFill>
+                <a:effectLst/>
+                <a:latin typeface="+mn-lt"/>
+                <a:ea typeface="+mn-ea"/>
+                <a:cs typeface="+mn-cs"/>
+              </a:rPr>
+              <a:t>one-hot representations of known attributes in y(</a:t>
+            </a:r>
+            <a:r>
+              <a:rPr lang="en-US" sz="1200" kern="1200" dirty="0" err="1" smtClean="0">
+                <a:solidFill>
+                  <a:schemeClr val="tx1"/>
+                </a:solidFill>
+                <a:effectLst/>
+                <a:latin typeface="+mn-lt"/>
+                <a:ea typeface="+mn-ea"/>
+                <a:cs typeface="+mn-cs"/>
+              </a:rPr>
+              <a:t>i</a:t>
+            </a:r>
+            <a:r>
+              <a:rPr lang="en-US" sz="1200" kern="1200" dirty="0" smtClean="0">
+                <a:solidFill>
+                  <a:schemeClr val="tx1"/>
+                </a:solidFill>
+                <a:effectLst/>
+                <a:latin typeface="+mn-lt"/>
+                <a:ea typeface="+mn-ea"/>
+                <a:cs typeface="+mn-cs"/>
+              </a:rPr>
+              <a:t>), while a compact interaction matrix </a:t>
+            </a:r>
+            <a:r>
+              <a:rPr lang="en-US" sz="1200" kern="1200" dirty="0" err="1" smtClean="0">
+                <a:solidFill>
+                  <a:schemeClr val="tx1"/>
+                </a:solidFill>
+                <a:effectLst/>
+                <a:latin typeface="+mn-lt"/>
+                <a:ea typeface="+mn-ea"/>
+                <a:cs typeface="+mn-cs"/>
+              </a:rPr>
+              <a:t>Wc</a:t>
+            </a:r>
+            <a:r>
+              <a:rPr lang="en-US" sz="1200" kern="1200" dirty="0" smtClean="0">
+                <a:solidFill>
+                  <a:schemeClr val="tx1"/>
+                </a:solidFill>
+                <a:effectLst/>
+                <a:latin typeface="+mn-lt"/>
+                <a:ea typeface="+mn-ea"/>
+                <a:cs typeface="+mn-cs"/>
+              </a:rPr>
+              <a:t> is formed by removing the columns corresponding to the missing attributes from the original W </a:t>
+            </a:r>
+            <a:endParaRPr lang="en-US" dirty="0" smtClean="0"/>
+          </a:p>
+          <a:p>
+            <a:pPr marL="0" marR="0" indent="0" algn="l" defTabSz="914400" rtl="0" eaLnBrk="1" fontAlgn="auto" latinLnBrk="0" hangingPunct="1">
+              <a:lnSpc>
+                <a:spcPct val="100000"/>
+              </a:lnSpc>
+              <a:spcBef>
+                <a:spcPts val="0"/>
+              </a:spcBef>
+              <a:spcAft>
+                <a:spcPts val="0"/>
+              </a:spcAft>
+              <a:buClrTx/>
+              <a:buSzTx/>
+              <a:buFontTx/>
+              <a:buNone/>
+              <a:tabLst/>
+              <a:defRPr/>
+            </a:pPr>
+            <a:endParaRPr lang="en-US" dirty="0" smtClean="0"/>
           </a:p>
         </p:txBody>
       </p:sp>
@@ -3185,7 +3043,7 @@
     </p:spTree>
     <p:extLst>
       <p:ext uri="{BB962C8B-B14F-4D97-AF65-F5344CB8AC3E}">
-        <p14:creationId xmlns:p14="http://schemas.microsoft.com/office/powerpoint/2010/main" val="886002517"/>
+        <p14:creationId xmlns:p14="http://schemas.microsoft.com/office/powerpoint/2010/main" val="137866839"/>
       </p:ext>
     </p:extLst>
   </p:cSld>
@@ -3266,141 +3124,8 @@
                 <a:ea typeface="+mn-ea"/>
                 <a:cs typeface="+mn-cs"/>
               </a:rPr>
-              <a:t>the subscript c denotes a compact version</a:t>
-            </a:r>
-            <a:r>
-              <a:rPr lang="en-US" altLang="zh-TW" sz="1200" kern="1200" dirty="0" smtClean="0">
-                <a:solidFill>
-                  <a:schemeClr val="tx1"/>
-                </a:solidFill>
-                <a:effectLst/>
-                <a:latin typeface="+mn-lt"/>
-                <a:ea typeface="+mn-ea"/>
-                <a:cs typeface="+mn-cs"/>
-              </a:rPr>
-              <a:t>.</a:t>
-            </a:r>
-          </a:p>
-          <a:p>
-            <a:r>
-              <a:rPr lang="en-US" sz="1200" kern="1200" dirty="0" smtClean="0">
-                <a:solidFill>
-                  <a:schemeClr val="tx1"/>
-                </a:solidFill>
-                <a:effectLst/>
-                <a:latin typeface="+mn-lt"/>
-                <a:ea typeface="+mn-ea"/>
-                <a:cs typeface="+mn-cs"/>
-              </a:rPr>
-              <a:t>A compact structured vector ⃗</a:t>
-            </a:r>
-            <a:r>
-              <a:rPr lang="en-US" sz="1200" kern="1200" dirty="0" err="1" smtClean="0">
-                <a:solidFill>
-                  <a:schemeClr val="tx1"/>
-                </a:solidFill>
-                <a:effectLst/>
-                <a:latin typeface="+mn-lt"/>
-                <a:ea typeface="+mn-ea"/>
-                <a:cs typeface="+mn-cs"/>
-              </a:rPr>
-              <a:t>yc</a:t>
-            </a:r>
-            <a:r>
-              <a:rPr lang="en-US" sz="1200" kern="1200" dirty="0" smtClean="0">
-                <a:solidFill>
-                  <a:schemeClr val="tx1"/>
-                </a:solidFill>
-                <a:effectLst/>
-                <a:latin typeface="+mn-lt"/>
-                <a:ea typeface="+mn-ea"/>
-                <a:cs typeface="+mn-cs"/>
-              </a:rPr>
-              <a:t> is a concatenation of </a:t>
-            </a:r>
-            <a:endParaRPr lang="en-US" dirty="0" smtClean="0"/>
-          </a:p>
-          <a:p>
-            <a:r>
-              <a:rPr lang="en-US" sz="1200" kern="1200" dirty="0" smtClean="0">
-                <a:solidFill>
-                  <a:schemeClr val="tx1"/>
-                </a:solidFill>
-                <a:effectLst/>
-                <a:latin typeface="+mn-lt"/>
-                <a:ea typeface="+mn-ea"/>
-                <a:cs typeface="+mn-cs"/>
-              </a:rPr>
-              <a:t>one-hot representations of known attributes in y(</a:t>
-            </a:r>
-            <a:r>
-              <a:rPr lang="en-US" sz="1200" kern="1200" dirty="0" err="1" smtClean="0">
-                <a:solidFill>
-                  <a:schemeClr val="tx1"/>
-                </a:solidFill>
-                <a:effectLst/>
-                <a:latin typeface="+mn-lt"/>
-                <a:ea typeface="+mn-ea"/>
-                <a:cs typeface="+mn-cs"/>
-              </a:rPr>
-              <a:t>i</a:t>
-            </a:r>
-            <a:r>
-              <a:rPr lang="en-US" sz="1200" kern="1200" dirty="0" smtClean="0">
-                <a:solidFill>
-                  <a:schemeClr val="tx1"/>
-                </a:solidFill>
-                <a:effectLst/>
-                <a:latin typeface="+mn-lt"/>
-                <a:ea typeface="+mn-ea"/>
-                <a:cs typeface="+mn-cs"/>
-              </a:rPr>
-              <a:t>), while a compact interaction matrix </a:t>
-            </a:r>
-            <a:r>
-              <a:rPr lang="en-US" sz="1200" kern="1200" dirty="0" err="1" smtClean="0">
-                <a:solidFill>
-                  <a:schemeClr val="tx1"/>
-                </a:solidFill>
-                <a:effectLst/>
-                <a:latin typeface="+mn-lt"/>
-                <a:ea typeface="+mn-ea"/>
-                <a:cs typeface="+mn-cs"/>
-              </a:rPr>
-              <a:t>Wc</a:t>
-            </a:r>
-            <a:r>
-              <a:rPr lang="en-US" sz="1200" kern="1200" dirty="0" smtClean="0">
-                <a:solidFill>
-                  <a:schemeClr val="tx1"/>
-                </a:solidFill>
-                <a:effectLst/>
-                <a:latin typeface="+mn-lt"/>
-                <a:ea typeface="+mn-ea"/>
-                <a:cs typeface="+mn-cs"/>
-              </a:rPr>
-              <a:t> is formed by removing the columns corresponding to the missing attributes from the original W </a:t>
-            </a:r>
-            <a:endParaRPr lang="en-US" dirty="0" smtClean="0"/>
-          </a:p>
-          <a:p>
-            <a:pPr marL="0" marR="0" indent="0" algn="l" defTabSz="914400" rtl="0" eaLnBrk="1" fontAlgn="auto" latinLnBrk="0" hangingPunct="1">
-              <a:lnSpc>
-                <a:spcPct val="100000"/>
-              </a:lnSpc>
-              <a:spcBef>
-                <a:spcPts val="0"/>
-              </a:spcBef>
-              <a:spcAft>
-                <a:spcPts val="0"/>
-              </a:spcAft>
-              <a:buClrTx/>
-              <a:buSzTx/>
-              <a:buFontTx/>
-              <a:buNone/>
-              <a:tabLst/>
-              <a:defRPr/>
-            </a:pPr>
+              <a:t>The objective function of SNE </a:t>
+            </a:r>
             <a:endParaRPr lang="en-US" dirty="0" smtClean="0"/>
           </a:p>
         </p:txBody>
@@ -3431,7 +3156,7 @@
     </p:spTree>
     <p:extLst>
       <p:ext uri="{BB962C8B-B14F-4D97-AF65-F5344CB8AC3E}">
-        <p14:creationId xmlns:p14="http://schemas.microsoft.com/office/powerpoint/2010/main" val="137866839"/>
+        <p14:creationId xmlns:p14="http://schemas.microsoft.com/office/powerpoint/2010/main" val="1470116477"/>
       </p:ext>
     </p:extLst>
   </p:cSld>
@@ -3622,7 +3347,7 @@
           <a:p>
             <a:fld id="{C5E56792-8665-44F5-937A-6C5B0EA1E838}" type="datetime1">
               <a:rPr lang="zh-TW" altLang="en-US" smtClean="0"/>
-              <a:t>2017/3/14</a:t>
+              <a:t>2017/3/17</a:t>
             </a:fld>
             <a:endParaRPr lang="zh-TW" altLang="en-US"/>
           </a:p>
@@ -3787,7 +3512,7 @@
           <a:p>
             <a:fld id="{CB947CAE-F2C6-4F05-AFF6-B64271BEA16E}" type="datetime1">
               <a:rPr lang="zh-TW" altLang="en-US" smtClean="0"/>
-              <a:t>2017/3/14</a:t>
+              <a:t>2017/3/17</a:t>
             </a:fld>
             <a:endParaRPr lang="zh-TW" altLang="en-US"/>
           </a:p>
@@ -3962,7 +3687,7 @@
           <a:p>
             <a:fld id="{2662880A-4BEF-4739-B128-9AF23BC80935}" type="datetime1">
               <a:rPr lang="zh-TW" altLang="en-US" smtClean="0"/>
-              <a:t>2017/3/14</a:t>
+              <a:t>2017/3/17</a:t>
             </a:fld>
             <a:endParaRPr lang="zh-TW" altLang="en-US"/>
           </a:p>
@@ -4127,7 +3852,7 @@
           <a:p>
             <a:fld id="{A1C3852F-9673-4E3D-BF92-FBFFD27FD90A}" type="datetime1">
               <a:rPr lang="zh-TW" altLang="en-US" smtClean="0"/>
-              <a:t>2017/3/14</a:t>
+              <a:t>2017/3/17</a:t>
             </a:fld>
             <a:endParaRPr lang="zh-TW" altLang="en-US"/>
           </a:p>
@@ -4368,7 +4093,7 @@
           <a:p>
             <a:fld id="{7FF730C2-CE57-49E2-AC52-EFC2B85B94D4}" type="datetime1">
               <a:rPr lang="zh-TW" altLang="en-US" smtClean="0"/>
-              <a:t>2017/3/14</a:t>
+              <a:t>2017/3/17</a:t>
             </a:fld>
             <a:endParaRPr lang="zh-TW" altLang="en-US"/>
           </a:p>
@@ -4651,7 +4376,7 @@
           <a:p>
             <a:fld id="{59F0C24E-2BF5-42DC-A071-F941905C5A13}" type="datetime1">
               <a:rPr lang="zh-TW" altLang="en-US" smtClean="0"/>
-              <a:t>2017/3/14</a:t>
+              <a:t>2017/3/17</a:t>
             </a:fld>
             <a:endParaRPr lang="zh-TW" altLang="en-US"/>
           </a:p>
@@ -5068,7 +4793,7 @@
           <a:p>
             <a:fld id="{BB2ECFDA-458C-4C9C-83A5-801DFCC63E3B}" type="datetime1">
               <a:rPr lang="zh-TW" altLang="en-US" smtClean="0"/>
-              <a:t>2017/3/14</a:t>
+              <a:t>2017/3/17</a:t>
             </a:fld>
             <a:endParaRPr lang="zh-TW" altLang="en-US"/>
           </a:p>
@@ -5181,7 +4906,7 @@
           <a:p>
             <a:fld id="{1944EECA-F4BB-45A0-A2FD-0E5AC9026687}" type="datetime1">
               <a:rPr lang="zh-TW" altLang="en-US" smtClean="0"/>
-              <a:t>2017/3/14</a:t>
+              <a:t>2017/3/17</a:t>
             </a:fld>
             <a:endParaRPr lang="zh-TW" altLang="en-US"/>
           </a:p>
@@ -5271,7 +4996,7 @@
           <a:p>
             <a:fld id="{98C099F8-86DF-461F-BA12-EF5622373734}" type="datetime1">
               <a:rPr lang="zh-TW" altLang="en-US" smtClean="0"/>
-              <a:t>2017/3/14</a:t>
+              <a:t>2017/3/17</a:t>
             </a:fld>
             <a:endParaRPr lang="zh-TW" altLang="en-US"/>
           </a:p>
@@ -5543,7 +5268,7 @@
           <a:p>
             <a:fld id="{BE9D0142-0BB0-408F-B9BA-18C32678D856}" type="datetime1">
               <a:rPr lang="zh-TW" altLang="en-US" smtClean="0"/>
-              <a:t>2017/3/14</a:t>
+              <a:t>2017/3/17</a:t>
             </a:fld>
             <a:endParaRPr lang="zh-TW" altLang="en-US"/>
           </a:p>
@@ -5791,7 +5516,7 @@
           <a:p>
             <a:fld id="{81D15CA9-5EA9-4B41-974A-6B665B774C56}" type="datetime1">
               <a:rPr lang="zh-TW" altLang="en-US" smtClean="0"/>
-              <a:t>2017/3/14</a:t>
+              <a:t>2017/3/17</a:t>
             </a:fld>
             <a:endParaRPr lang="zh-TW" altLang="en-US"/>
           </a:p>
@@ -5999,7 +5724,7 @@
           <a:p>
             <a:fld id="{DF67CB8D-D5B9-4AEF-8E80-3E990454CA13}" type="datetime1">
               <a:rPr lang="zh-TW" altLang="en-US" smtClean="0"/>
-              <a:t>2017/3/14</a:t>
+              <a:t>2017/3/17</a:t>
             </a:fld>
             <a:endParaRPr lang="zh-TW" altLang="en-US"/>
           </a:p>
@@ -6463,18 +6188,7 @@
           </a:p>
           <a:p>
             <a:r>
-              <a:rPr lang="en-US" altLang="zh-TW" sz="1800" dirty="0" smtClean="0"/>
-              <a:t>Presented </a:t>
-            </a:r>
-            <a:r>
-              <a:rPr lang="en-US" altLang="zh-TW" sz="1800" dirty="0"/>
-              <a:t>by </a:t>
-            </a:r>
-            <a:endParaRPr lang="en-US" altLang="zh-TW" sz="1800" dirty="0" smtClean="0"/>
-          </a:p>
-          <a:p>
-            <a:r>
-              <a:rPr lang="en-US" altLang="zh-TW" sz="1800" dirty="0" smtClean="0">
+              <a:rPr lang="en-US" altLang="zh-TW" sz="2000" dirty="0" smtClean="0">
                 <a:solidFill>
                   <a:schemeClr val="tx1"/>
                 </a:solidFill>
@@ -6482,7 +6196,7 @@
               <a:t>Peter</a:t>
             </a:r>
             <a:r>
-              <a:rPr lang="zh-TW" altLang="en-US" sz="1800" dirty="0" smtClean="0">
+              <a:rPr lang="zh-TW" altLang="en-US" sz="2000" dirty="0" smtClean="0">
                 <a:solidFill>
                   <a:schemeClr val="tx1"/>
                 </a:solidFill>
@@ -6490,14 +6204,14 @@
               <a:t> </a:t>
             </a:r>
             <a:r>
-              <a:rPr lang="en-US" altLang="zh-TW" sz="1800" dirty="0" smtClean="0">
+              <a:rPr lang="en-US" altLang="zh-TW" sz="2000" dirty="0" smtClean="0">
                 <a:solidFill>
                   <a:schemeClr val="tx1"/>
                 </a:solidFill>
               </a:rPr>
               <a:t>Lin</a:t>
             </a:r>
-            <a:endParaRPr lang="zh-TW" altLang="en-US" sz="1800" dirty="0">
+            <a:endParaRPr lang="zh-TW" altLang="en-US" sz="2000" dirty="0">
               <a:solidFill>
                 <a:schemeClr val="tx1"/>
               </a:solidFill>
@@ -6860,6 +6574,32 @@
               </a:rPr>
               <a:t>2016</a:t>
             </a:r>
+          </a:p>
+        </p:txBody>
+      </p:sp>
+      <p:sp>
+        <p:nvSpPr>
+          <p:cNvPr id="5" name="TextBox 4"/>
+          <p:cNvSpPr txBox="1"/>
+          <p:nvPr/>
+        </p:nvSpPr>
+        <p:spPr>
+          <a:xfrm>
+            <a:off x="9423400" y="4089400"/>
+            <a:ext cx="184731" cy="369332"/>
+          </a:xfrm>
+          <a:prstGeom prst="rect">
+            <a:avLst/>
+          </a:prstGeom>
+          <a:noFill/>
+        </p:spPr>
+        <p:txBody>
+          <a:bodyPr wrap="none" rtlCol="0">
+            <a:spAutoFit/>
+          </a:bodyPr>
+          <a:lstStyle/>
+          <a:p>
+            <a:endParaRPr lang="en-US" dirty="0"/>
           </a:p>
         </p:txBody>
       </p:sp>
@@ -6902,7 +6642,7 @@
       </p:grpSpPr>
       <p:sp>
         <p:nvSpPr>
-          <p:cNvPr id="2" name="標題 1"/>
+          <p:cNvPr id="2" name="Title 1"/>
           <p:cNvSpPr>
             <a:spLocks noGrp="1"/>
           </p:cNvSpPr>
@@ -6917,15 +6657,31 @@
           <a:p>
             <a:r>
               <a:rPr lang="en-US" altLang="zh-TW" dirty="0" smtClean="0"/>
-              <a:t>Challenges</a:t>
-            </a:r>
-            <a:endParaRPr lang="zh-TW" altLang="en-US" dirty="0"/>
-          </a:p>
-        </p:txBody>
-      </p:sp>
-      <p:sp>
-        <p:nvSpPr>
-          <p:cNvPr id="3" name="內容版面配置區 2"/>
+              <a:t>Main</a:t>
+            </a:r>
+            <a:r>
+              <a:rPr lang="zh-TW" altLang="en-US" dirty="0" smtClean="0"/>
+              <a:t> </a:t>
+            </a:r>
+            <a:r>
+              <a:rPr lang="en-US" altLang="zh-TW" dirty="0" smtClean="0"/>
+              <a:t>idea</a:t>
+            </a:r>
+            <a:r>
+              <a:rPr lang="zh-TW" altLang="en-US" dirty="0" smtClean="0"/>
+              <a:t> </a:t>
+            </a:r>
+            <a:r>
+              <a:rPr lang="en-US" altLang="zh-TW" dirty="0" smtClean="0"/>
+              <a:t>(1)</a:t>
+            </a:r>
+            <a:endParaRPr lang="en-US" dirty="0"/>
+          </a:p>
+        </p:txBody>
+      </p:sp>
+      <p:sp>
+        <p:nvSpPr>
+          <p:cNvPr id="3" name="Content Placeholder 2"/>
           <p:cNvSpPr>
             <a:spLocks noGrp="1"/>
           </p:cNvSpPr>
@@ -6935,9 +6691,7 @@
         </p:nvSpPr>
         <p:spPr/>
         <p:txBody>
-          <a:bodyPr>
-            <a:normAutofit/>
-          </a:bodyPr>
+          <a:bodyPr/>
           <a:lstStyle/>
           <a:p>
             <a:pPr>
@@ -6946,116 +6700,97 @@
               </a:spcAft>
             </a:pPr>
             <a:r>
-              <a:rPr lang="en-US" altLang="zh-TW" sz="2800" dirty="0"/>
-              <a:t>H</a:t>
-            </a:r>
-            <a:r>
-              <a:rPr lang="en-US" sz="2800" dirty="0" smtClean="0"/>
-              <a:t>uman </a:t>
-            </a:r>
-            <a:r>
-              <a:rPr lang="en-US" sz="2800" dirty="0"/>
-              <a:t>defined features may </a:t>
-            </a:r>
-            <a:r>
-              <a:rPr lang="en-US" sz="2800" dirty="0" smtClean="0"/>
-              <a:t>suffer </a:t>
-            </a:r>
-            <a:r>
-              <a:rPr lang="en-US" sz="2800" dirty="0"/>
-              <a:t>from </a:t>
-            </a:r>
-            <a:r>
-              <a:rPr lang="en-US" sz="2800" dirty="0">
+              <a:rPr lang="en-US" altLang="zh-TW" dirty="0"/>
+              <a:t>A</a:t>
+            </a:r>
+            <a:r>
+              <a:rPr lang="en-US" dirty="0" smtClean="0"/>
+              <a:t>utomatically </a:t>
+            </a:r>
+            <a:r>
+              <a:rPr lang="en-US" dirty="0"/>
+              <a:t>learn representations of users for demographic prediction in a </a:t>
+            </a:r>
+            <a:r>
+              <a:rPr lang="en-US" dirty="0">
                 <a:solidFill>
                   <a:srgbClr val="FF0000"/>
                 </a:solidFill>
               </a:rPr>
-              <a:t>under specification</a:t>
-            </a:r>
-            <a:r>
-              <a:rPr lang="en-US" sz="2800" dirty="0"/>
-              <a:t> since it is difficult to identify those hidden </a:t>
-            </a:r>
-            <a:r>
-              <a:rPr lang="en-US" sz="2800" dirty="0" smtClean="0"/>
-              <a:t>complicate</a:t>
-            </a:r>
-            <a:r>
-              <a:rPr lang="en-US" altLang="zh-TW" sz="2800" dirty="0" smtClean="0"/>
-              <a:t>d</a:t>
-            </a:r>
-            <a:r>
-              <a:rPr lang="en-US" sz="2800" dirty="0" smtClean="0"/>
+              <a:t>supervised</a:t>
+            </a:r>
+            <a:r>
+              <a:rPr lang="en-US" dirty="0"/>
               <a:t> </a:t>
             </a:r>
             <a:r>
-              <a:rPr lang="en-US" sz="2800" dirty="0"/>
-              <a:t>factors for prediction </a:t>
-            </a:r>
-            <a:r>
-              <a:rPr lang="en-US" sz="2800" dirty="0" smtClean="0"/>
-              <a:t>tasks</a:t>
-            </a:r>
-            <a:r>
-              <a:rPr lang="en-US" altLang="zh-TW" sz="2800" dirty="0" smtClean="0"/>
+              <a:rPr lang="en-US" dirty="0" smtClean="0"/>
+              <a:t>way</a:t>
+            </a:r>
+            <a:r>
+              <a:rPr lang="en-US" altLang="zh-TW" dirty="0" smtClean="0"/>
               <a:t>.</a:t>
             </a:r>
           </a:p>
           <a:p>
-            <a:r>
-              <a:rPr lang="en-US" altLang="zh-TW" sz="2800" dirty="0"/>
+            <a:pPr>
+              <a:spcAft>
+                <a:spcPts val="600"/>
+              </a:spcAft>
+            </a:pPr>
+            <a:r>
+              <a:rPr lang="en-US" altLang="zh-TW" dirty="0"/>
               <a:t>T</a:t>
             </a:r>
             <a:r>
-              <a:rPr lang="en-US" sz="2800" dirty="0" smtClean="0"/>
-              <a:t>here </a:t>
-            </a:r>
-            <a:r>
-              <a:rPr lang="en-US" sz="2800" dirty="0"/>
-              <a:t>might be </a:t>
-            </a:r>
-            <a:r>
-              <a:rPr lang="en-US" sz="2800" dirty="0">
+              <a:rPr lang="en-US" dirty="0"/>
+              <a:t>urning the </a:t>
+            </a:r>
+            <a:r>
+              <a:rPr lang="en-US" dirty="0" smtClean="0"/>
+              <a:t>multi</a:t>
+            </a:r>
+            <a:r>
+              <a:rPr lang="en-US" altLang="zh-TW" dirty="0" smtClean="0"/>
+              <a:t>-task</a:t>
+            </a:r>
+            <a:r>
+              <a:rPr lang="en-US" dirty="0" smtClean="0"/>
+              <a:t> </a:t>
+            </a:r>
+            <a:r>
+              <a:rPr lang="en-US" dirty="0"/>
+              <a:t>multi-class prediction</a:t>
+            </a:r>
+            <a:r>
+              <a:rPr lang="zh-TW" altLang="en-US" dirty="0"/>
+              <a:t> </a:t>
+            </a:r>
+            <a:r>
+              <a:rPr lang="en-US" dirty="0"/>
+              <a:t>into a </a:t>
+            </a:r>
+            <a:r>
+              <a:rPr lang="en-US" dirty="0">
                 <a:solidFill>
                   <a:srgbClr val="FF0000"/>
                 </a:solidFill>
               </a:rPr>
-              <a:t>correlations</a:t>
-            </a:r>
-            <a:r>
-              <a:rPr lang="en-US" sz="2800" dirty="0"/>
-              <a:t> among </a:t>
-            </a:r>
-            <a:r>
-              <a:rPr lang="en-US" sz="2800" dirty="0" smtClean="0"/>
-              <a:t>different </a:t>
-            </a:r>
-            <a:r>
-              <a:rPr lang="en-US" sz="2800" dirty="0"/>
-              <a:t>tasks that can be leveraged to improve the prediction </a:t>
-            </a:r>
-            <a:r>
-              <a:rPr lang="en-US" sz="2800" dirty="0" smtClean="0"/>
-              <a:t>accuracy</a:t>
-            </a:r>
-            <a:r>
-              <a:rPr lang="en-US" altLang="zh-TW" sz="2800" dirty="0" smtClean="0"/>
-              <a:t>.</a:t>
-            </a:r>
-            <a:endParaRPr lang="en-US" sz="2800" dirty="0"/>
-          </a:p>
-          <a:p>
-            <a:endParaRPr lang="en-US" altLang="zh-TW" sz="2800" dirty="0" smtClean="0"/>
-          </a:p>
-          <a:p>
-            <a:endParaRPr lang="en-US" sz="2800" dirty="0"/>
-          </a:p>
-        </p:txBody>
-      </p:sp>
-      <p:sp>
-        <p:nvSpPr>
-          <p:cNvPr id="4" name="投影片編號版面配置區 3"/>
+              <a:t>single structured prediction </a:t>
+            </a:r>
+            <a:r>
+              <a:rPr lang="en-US" dirty="0"/>
+              <a:t>task. </a:t>
+            </a:r>
+          </a:p>
+          <a:p>
+            <a:endParaRPr lang="en-US" dirty="0"/>
+          </a:p>
+        </p:txBody>
+      </p:sp>
+      <p:sp>
+        <p:nvSpPr>
+          <p:cNvPr id="4" name="Slide Number Placeholder 3"/>
           <p:cNvSpPr>
             <a:spLocks noGrp="1"/>
           </p:cNvSpPr>
@@ -7079,7 +6814,7 @@
     </p:spTree>
     <p:extLst>
       <p:ext uri="{BB962C8B-B14F-4D97-AF65-F5344CB8AC3E}">
-        <p14:creationId xmlns:p14="http://schemas.microsoft.com/office/powerpoint/2010/main" val="597332057"/>
+        <p14:creationId xmlns:p14="http://schemas.microsoft.com/office/powerpoint/2010/main" val="698195944"/>
       </p:ext>
     </p:extLst>
   </p:cSld>
@@ -7129,24 +6864,24 @@
           <a:lstStyle/>
           <a:p>
             <a:r>
+              <a:rPr lang="en-US" altLang="zh-TW" dirty="0"/>
+              <a:t>Main</a:t>
+            </a:r>
+            <a:r>
+              <a:rPr lang="zh-TW" altLang="en-US" dirty="0"/>
+              <a:t> </a:t>
+            </a:r>
+            <a:r>
+              <a:rPr lang="en-US" altLang="zh-TW" dirty="0"/>
+              <a:t>idea</a:t>
+            </a:r>
+            <a:r>
+              <a:rPr lang="zh-TW" altLang="en-US" dirty="0"/>
+              <a:t> </a:t>
+            </a:r>
+            <a:r>
               <a:rPr lang="en-US" altLang="zh-TW" dirty="0" smtClean="0"/>
-              <a:t>Main</a:t>
-            </a:r>
-            <a:r>
-              <a:rPr lang="zh-TW" altLang="en-US" dirty="0" smtClean="0"/>
-              <a:t> </a:t>
-            </a:r>
-            <a:r>
-              <a:rPr lang="en-US" altLang="zh-TW" dirty="0" smtClean="0"/>
-              <a:t>idea</a:t>
-            </a:r>
-            <a:r>
-              <a:rPr lang="zh-TW" altLang="en-US" dirty="0" smtClean="0"/>
-              <a:t> </a:t>
-            </a:r>
-            <a:r>
-              <a:rPr lang="en-US" altLang="zh-TW" dirty="0" smtClean="0"/>
-              <a:t>(1)</a:t>
+              <a:t>(2)</a:t>
             </a:r>
             <a:endParaRPr lang="en-US" dirty="0"/>
           </a:p>
@@ -7167,22 +6902,17 @@
           <a:bodyPr/>
           <a:lstStyle/>
           <a:p>
-            <a:pPr>
-              <a:spcAft>
-                <a:spcPts val="600"/>
-              </a:spcAft>
-            </a:pPr>
             <a:r>
               <a:rPr lang="en-US" altLang="zh-TW" dirty="0"/>
-              <a:t>A</a:t>
+              <a:t>E</a:t>
             </a:r>
             <a:r>
               <a:rPr lang="en-US" dirty="0" smtClean="0"/>
-              <a:t>utomatically </a:t>
+              <a:t>ncode </a:t>
             </a:r>
             <a:r>
               <a:rPr lang="en-US" dirty="0"/>
-              <a:t>learn representations of users for demographic prediction in a </a:t>
+              <a:t>each task’s label by a </a:t>
             </a:r>
             <a:r>
               <a:rPr lang="en-US" dirty="0">
@@ -7190,71 +6920,36 @@
                   <a:srgbClr val="FF0000"/>
                 </a:solidFill>
               </a:rPr>
-              <a:t>supervised</a:t>
+              <a:t>one-hot</a:t>
             </a:r>
             <a:r>
               <a:rPr lang="en-US" dirty="0"/>
-              <a:t> </a:t>
-            </a:r>
-            <a:r>
-              <a:rPr lang="en-US" dirty="0" smtClean="0"/>
-              <a:t>way</a:t>
+              <a:t> representation, and concatenate these labels to generate </a:t>
+            </a:r>
+            <a:r>
+              <a:rPr lang="en-US" dirty="0">
+                <a:solidFill>
+                  <a:srgbClr val="FF0000"/>
+                </a:solidFill>
+              </a:rPr>
+              <a:t>a single structured </a:t>
+            </a:r>
+            <a:r>
+              <a:rPr lang="en-US" dirty="0" smtClean="0">
+                <a:solidFill>
+                  <a:srgbClr val="FF0000"/>
+                </a:solidFill>
+              </a:rPr>
+              <a:t>label</a:t>
             </a:r>
             <a:r>
               <a:rPr lang="en-US" altLang="zh-TW" dirty="0" smtClean="0"/>
               <a:t>.</a:t>
             </a:r>
-          </a:p>
-          <a:p>
-            <a:pPr>
-              <a:spcAft>
-                <a:spcPts val="600"/>
-              </a:spcAft>
-            </a:pPr>
-            <a:r>
-              <a:rPr lang="en-US" altLang="zh-TW" dirty="0"/>
-              <a:t>T</a:t>
-            </a:r>
-            <a:r>
-              <a:rPr lang="en-US" dirty="0"/>
-              <a:t>urning the </a:t>
-            </a:r>
-            <a:r>
-              <a:rPr lang="en-US" dirty="0" smtClean="0"/>
-              <a:t>multi</a:t>
-            </a:r>
-            <a:r>
-              <a:rPr lang="en-US" altLang="zh-TW" dirty="0" smtClean="0"/>
-              <a:t>-task</a:t>
-            </a:r>
             <a:r>
               <a:rPr lang="en-US" dirty="0" smtClean="0"/>
               <a:t> </a:t>
             </a:r>
-            <a:r>
-              <a:rPr lang="en-US" dirty="0"/>
-              <a:t>multi-class prediction</a:t>
-            </a:r>
-            <a:r>
-              <a:rPr lang="zh-TW" altLang="en-US" dirty="0"/>
-              <a:t> </a:t>
-            </a:r>
-            <a:r>
-              <a:rPr lang="en-US" dirty="0"/>
-              <a:t>into a </a:t>
-            </a:r>
-            <a:r>
-              <a:rPr lang="en-US" dirty="0">
-                <a:solidFill>
-                  <a:srgbClr val="FF0000"/>
-                </a:solidFill>
-              </a:rPr>
-              <a:t>single structured prediction </a:t>
-            </a:r>
-            <a:r>
-              <a:rPr lang="en-US" dirty="0"/>
-              <a:t>task. </a:t>
-            </a:r>
           </a:p>
           <a:p>
             <a:endParaRPr lang="en-US" dirty="0"/>
@@ -7279,174 +6974,6 @@
             <a:fld id="{73DA0BB7-265A-403C-9275-D587AB510EDC}" type="slidenum">
               <a:rPr lang="zh-TW" altLang="en-US" smtClean="0"/>
               <a:t>11</a:t>
-            </a:fld>
-            <a:endParaRPr lang="zh-TW" altLang="en-US"/>
-          </a:p>
-        </p:txBody>
-      </p:sp>
-    </p:spTree>
-    <p:extLst>
-      <p:ext uri="{BB962C8B-B14F-4D97-AF65-F5344CB8AC3E}">
-        <p14:creationId xmlns:p14="http://schemas.microsoft.com/office/powerpoint/2010/main" val="698195944"/>
-      </p:ext>
-    </p:extLst>
-  </p:cSld>
-  <p:clrMapOvr>
-    <a:masterClrMapping/>
-  </p:clrMapOvr>
-  <p:timing>
-    <p:tnLst>
-      <p:par>
-        <p:cTn id="1" dur="indefinite" restart="never" nodeType="tmRoot"/>
-      </p:par>
-    </p:tnLst>
-  </p:timing>
-</p:sld>
-</file>
-
-<file path=ppt/slides/slide12.xml><?xml version="1.0" encoding="utf-8"?>
-<p:sld xmlns:a="http://schemas.openxmlformats.org/drawingml/2006/main" xmlns:r="http://schemas.openxmlformats.org/officeDocument/2006/relationships" xmlns:p="http://schemas.openxmlformats.org/presentationml/2006/main">
-  <p:cSld>
-    <p:spTree>
-      <p:nvGrpSpPr>
-        <p:cNvPr id="1" name=""/>
-        <p:cNvGrpSpPr/>
-        <p:nvPr/>
-      </p:nvGrpSpPr>
-      <p:grpSpPr>
-        <a:xfrm>
-          <a:off x="0" y="0"/>
-          <a:ext cx="0" cy="0"/>
-          <a:chOff x="0" y="0"/>
-          <a:chExt cx="0" cy="0"/>
-        </a:xfrm>
-      </p:grpSpPr>
-      <p:sp>
-        <p:nvSpPr>
-          <p:cNvPr id="2" name="Title 1"/>
-          <p:cNvSpPr>
-            <a:spLocks noGrp="1"/>
-          </p:cNvSpPr>
-          <p:nvPr>
-            <p:ph type="title"/>
-          </p:nvPr>
-        </p:nvSpPr>
-        <p:spPr/>
-        <p:txBody>
-          <a:bodyPr/>
-          <a:lstStyle/>
-          <a:p>
-            <a:r>
-              <a:rPr lang="en-US" altLang="zh-TW" dirty="0"/>
-              <a:t>Main</a:t>
-            </a:r>
-            <a:r>
-              <a:rPr lang="zh-TW" altLang="en-US" dirty="0"/>
-              <a:t> </a:t>
-            </a:r>
-            <a:r>
-              <a:rPr lang="en-US" altLang="zh-TW" dirty="0"/>
-              <a:t>idea</a:t>
-            </a:r>
-            <a:r>
-              <a:rPr lang="zh-TW" altLang="en-US" dirty="0"/>
-              <a:t> </a:t>
-            </a:r>
-            <a:r>
-              <a:rPr lang="en-US" altLang="zh-TW" dirty="0" smtClean="0"/>
-              <a:t>(2)</a:t>
-            </a:r>
-            <a:endParaRPr lang="en-US" dirty="0"/>
-          </a:p>
-        </p:txBody>
-      </p:sp>
-      <p:sp>
-        <p:nvSpPr>
-          <p:cNvPr id="3" name="Content Placeholder 2"/>
-          <p:cNvSpPr>
-            <a:spLocks noGrp="1"/>
-          </p:cNvSpPr>
-          <p:nvPr>
-            <p:ph idx="1"/>
-          </p:nvPr>
-        </p:nvSpPr>
-        <p:spPr/>
-        <p:txBody>
-          <a:bodyPr/>
-          <a:lstStyle/>
-          <a:p>
-            <a:r>
-              <a:rPr lang="en-US" altLang="zh-TW" dirty="0"/>
-              <a:t>E</a:t>
-            </a:r>
-            <a:r>
-              <a:rPr lang="en-US" dirty="0" smtClean="0"/>
-              <a:t>ncode </a:t>
-            </a:r>
-            <a:r>
-              <a:rPr lang="en-US" dirty="0"/>
-              <a:t>each task’s label by a </a:t>
-            </a:r>
-            <a:r>
-              <a:rPr lang="en-US" dirty="0">
-                <a:solidFill>
-                  <a:srgbClr val="FF0000"/>
-                </a:solidFill>
-              </a:rPr>
-              <a:t>one-hot</a:t>
-            </a:r>
-            <a:r>
-              <a:rPr lang="en-US" dirty="0"/>
-              <a:t> representation, and concatenate these labels to generate </a:t>
-            </a:r>
-            <a:r>
-              <a:rPr lang="en-US" dirty="0">
-                <a:solidFill>
-                  <a:srgbClr val="FF0000"/>
-                </a:solidFill>
-              </a:rPr>
-              <a:t>a single structured </a:t>
-            </a:r>
-            <a:r>
-              <a:rPr lang="en-US" dirty="0" smtClean="0">
-                <a:solidFill>
-                  <a:srgbClr val="FF0000"/>
-                </a:solidFill>
-              </a:rPr>
-              <a:t>label</a:t>
-            </a:r>
-            <a:r>
-              <a:rPr lang="en-US" altLang="zh-TW" dirty="0" smtClean="0"/>
-              <a:t>.</a:t>
-            </a:r>
-            <a:r>
-              <a:rPr lang="en-US" dirty="0" smtClean="0"/>
-              <a:t> </a:t>
-            </a:r>
-          </a:p>
-          <a:p>
-            <a:endParaRPr lang="en-US" dirty="0"/>
-          </a:p>
-        </p:txBody>
-      </p:sp>
-      <p:sp>
-        <p:nvSpPr>
-          <p:cNvPr id="4" name="Slide Number Placeholder 3"/>
-          <p:cNvSpPr>
-            <a:spLocks noGrp="1"/>
-          </p:cNvSpPr>
-          <p:nvPr>
-            <p:ph type="sldNum" sz="quarter" idx="12"/>
-          </p:nvPr>
-        </p:nvSpPr>
-        <p:spPr/>
-        <p:txBody>
-          <a:bodyPr/>
-          <a:lstStyle/>
-          <a:p>
-            <a:fld id="{73DA0BB7-265A-403C-9275-D587AB510EDC}" type="slidenum">
-              <a:rPr lang="zh-TW" altLang="en-US" smtClean="0"/>
-              <a:t>12</a:t>
             </a:fld>
             <a:endParaRPr lang="zh-TW" altLang="en-US"/>
           </a:p>
@@ -7502,7 +7029,7 @@
 </p:sld>
 </file>
 
-<file path=ppt/slides/slide13.xml><?xml version="1.0" encoding="utf-8"?>
+<file path=ppt/slides/slide12.xml><?xml version="1.0" encoding="utf-8"?>
 <p:sld xmlns:a="http://schemas.openxmlformats.org/drawingml/2006/main" xmlns:r="http://schemas.openxmlformats.org/officeDocument/2006/relationships" xmlns:p="http://schemas.openxmlformats.org/presentationml/2006/main">
   <p:cSld>
     <p:spTree>
@@ -7636,7 +7163,7 @@
           <a:p>
             <a:fld id="{73DA0BB7-265A-403C-9275-D587AB510EDC}" type="slidenum">
               <a:rPr lang="zh-TW" altLang="en-US" smtClean="0"/>
-              <a:t>13</a:t>
+              <a:t>12</a:t>
             </a:fld>
             <a:endParaRPr lang="zh-TW" altLang="en-US"/>
           </a:p>
@@ -7692,7 +7219,7 @@
 </p:sld>
 </file>
 
-<file path=ppt/slides/slide14.xml><?xml version="1.0" encoding="utf-8"?>
+<file path=ppt/slides/slide13.xml><?xml version="1.0" encoding="utf-8"?>
 <p:sld xmlns:a="http://schemas.openxmlformats.org/drawingml/2006/main" xmlns:r="http://schemas.openxmlformats.org/officeDocument/2006/relationships" xmlns:p="http://schemas.openxmlformats.org/presentationml/2006/main">
   <p:cSld>
     <p:spTree>
@@ -7748,8 +7275,8 @@
           </a:p>
         </p:txBody>
       </p:sp>
-      <mc:AlternateContent xmlns:mc="http://schemas.openxmlformats.org/markup-compatibility/2006">
-        <mc:Choice xmlns:a14="http://schemas.microsoft.com/office/drawing/2010/main" Requires="a14">
+      <mc:AlternateContent xmlns:mc="http://schemas.openxmlformats.org/markup-compatibility/2006" xmlns:a14="http://schemas.microsoft.com/office/drawing/2010/main">
+        <mc:Choice Requires="a14">
           <p:sp>
             <p:nvSpPr>
               <p:cNvPr id="3" name="Content Placeholder 2"/>
@@ -7958,7 +7485,7 @@
             </p:txBody>
           </p:sp>
         </mc:Choice>
-        <mc:Fallback>
+        <mc:Fallback xmlns="">
           <p:sp>
             <p:nvSpPr>
               <p:cNvPr id="3" name="Content Placeholder 2"/>
@@ -8009,7 +7536,7 @@
           <a:p>
             <a:fld id="{73DA0BB7-265A-403C-9275-D587AB510EDC}" type="slidenum">
               <a:rPr lang="zh-TW" altLang="en-US" smtClean="0"/>
-              <a:t>14</a:t>
+              <a:t>13</a:t>
             </a:fld>
             <a:endParaRPr lang="zh-TW" altLang="en-US"/>
           </a:p>
@@ -8065,7 +7592,7 @@
 </p:sld>
 </file>
 
-<file path=ppt/slides/slide15.xml><?xml version="1.0" encoding="utf-8"?>
+<file path=ppt/slides/slide14.xml><?xml version="1.0" encoding="utf-8"?>
 <p:sld xmlns:a="http://schemas.openxmlformats.org/drawingml/2006/main" xmlns:r="http://schemas.openxmlformats.org/officeDocument/2006/relationships" xmlns:p="http://schemas.openxmlformats.org/presentationml/2006/main">
   <p:cSld>
     <p:spTree>
@@ -8253,7 +7780,7 @@
           <a:p>
             <a:fld id="{73DA0BB7-265A-403C-9275-D587AB510EDC}" type="slidenum">
               <a:rPr lang="zh-TW" altLang="en-US" smtClean="0"/>
-              <a:t>15</a:t>
+              <a:t>14</a:t>
             </a:fld>
             <a:endParaRPr lang="zh-TW" altLang="en-US"/>
           </a:p>
@@ -8369,7 +7896,7 @@
 </p:sld>
 </file>
 
-<file path=ppt/slides/slide16.xml><?xml version="1.0" encoding="utf-8"?>
+<file path=ppt/slides/slide15.xml><?xml version="1.0" encoding="utf-8"?>
 <p:sld xmlns:a="http://schemas.openxmlformats.org/drawingml/2006/main" xmlns:r="http://schemas.openxmlformats.org/officeDocument/2006/relationships" xmlns:p="http://schemas.openxmlformats.org/presentationml/2006/main">
   <p:cSld>
     <p:spTree>
@@ -8386,8 +7913,8 @@
           <a:chExt cx="0" cy="0"/>
         </a:xfrm>
       </p:grpSpPr>
-      <mc:AlternateContent xmlns:mc="http://schemas.openxmlformats.org/markup-compatibility/2006">
-        <mc:Choice xmlns:a14="http://schemas.microsoft.com/office/drawing/2010/main" Requires="a14">
+      <mc:AlternateContent xmlns:mc="http://schemas.openxmlformats.org/markup-compatibility/2006" xmlns:a14="http://schemas.microsoft.com/office/drawing/2010/main">
+        <mc:Choice Requires="a14">
           <p:sp>
             <p:nvSpPr>
               <p:cNvPr id="3" name="Content Placeholder 2"/>
@@ -8445,11 +7972,7 @@
                 </a:r>
                 <a:r>
                   <a:rPr lang="zh-TW" altLang="en-US" dirty="0" smtClean="0"/>
-                  <a:t>   </a:t>
-                </a:r>
-                <a:r>
-                  <a:rPr lang="zh-TW" altLang="en-US" dirty="0" smtClean="0"/>
-                  <a:t>                  </a:t>
+                  <a:t>                     </a:t>
                 </a:r>
                 <a:r>
                   <a:rPr lang="en-US" altLang="zh-TW" sz="2800" dirty="0" smtClean="0"/>
@@ -8582,12 +8105,11 @@
                   <a:rPr lang="en-US" sz="2800" dirty="0"/>
                   <a:t>matrix </a:t>
                 </a:r>
-                <a:endParaRPr lang="en-US" sz="2800" dirty="0"/>
               </a:p>
             </p:txBody>
           </p:sp>
         </mc:Choice>
-        <mc:Fallback>
+        <mc:Fallback xmlns="">
           <p:sp>
             <p:nvSpPr>
               <p:cNvPr id="3" name="Content Placeholder 2"/>
@@ -8741,7 +8263,7 @@
           <a:p>
             <a:fld id="{73DA0BB7-265A-403C-9275-D587AB510EDC}" type="slidenum">
               <a:rPr lang="zh-TW" altLang="en-US" smtClean="0"/>
-              <a:t>16</a:t>
+              <a:t>15</a:t>
             </a:fld>
             <a:endParaRPr lang="zh-TW" altLang="en-US"/>
           </a:p>
@@ -8827,7 +8349,7 @@
 </p:sld>
 </file>
 
-<file path=ppt/slides/slide17.xml><?xml version="1.0" encoding="utf-8"?>
+<file path=ppt/slides/slide16.xml><?xml version="1.0" encoding="utf-8"?>
 <p:sld xmlns:a="http://schemas.openxmlformats.org/drawingml/2006/main" xmlns:r="http://schemas.openxmlformats.org/officeDocument/2006/relationships" xmlns:p="http://schemas.openxmlformats.org/presentationml/2006/main">
   <p:cSld>
     <p:spTree>
@@ -8883,8 +8405,8 @@
           </a:p>
         </p:txBody>
       </p:sp>
-      <mc:AlternateContent xmlns:mc="http://schemas.openxmlformats.org/markup-compatibility/2006">
-        <mc:Choice xmlns:a14="http://schemas.microsoft.com/office/drawing/2010/main" Requires="a14">
+      <mc:AlternateContent xmlns:mc="http://schemas.openxmlformats.org/markup-compatibility/2006" xmlns:a14="http://schemas.microsoft.com/office/drawing/2010/main">
+        <mc:Choice Requires="a14">
           <p:sp>
             <p:nvSpPr>
               <p:cNvPr id="3" name="Content Placeholder 2"/>
@@ -8966,7 +8488,7 @@
             </p:txBody>
           </p:sp>
         </mc:Choice>
-        <mc:Fallback>
+        <mc:Fallback xmlns="">
           <p:sp>
             <p:nvSpPr>
               <p:cNvPr id="3" name="Content Placeholder 2"/>
@@ -9017,7 +8539,7 @@
           <a:p>
             <a:fld id="{73DA0BB7-265A-403C-9275-D587AB510EDC}" type="slidenum">
               <a:rPr lang="zh-TW" altLang="en-US" smtClean="0"/>
-              <a:t>17</a:t>
+              <a:t>16</a:t>
             </a:fld>
             <a:endParaRPr lang="zh-TW" altLang="en-US"/>
           </a:p>
@@ -9103,7 +8625,7 @@
 </p:sld>
 </file>
 
-<file path=ppt/slides/slide18.xml><?xml version="1.0" encoding="utf-8"?>
+<file path=ppt/slides/slide17.xml><?xml version="1.0" encoding="utf-8"?>
 <p:sld xmlns:a="http://schemas.openxmlformats.org/drawingml/2006/main" xmlns:r="http://schemas.openxmlformats.org/officeDocument/2006/relationships" xmlns:p="http://schemas.openxmlformats.org/presentationml/2006/main">
   <p:cSld>
     <p:spTree>
@@ -9192,7 +8714,19 @@
             </a:r>
             <a:r>
               <a:rPr lang="en-US" altLang="zh-TW" dirty="0" smtClean="0"/>
-              <a:t>(log-likelihood)</a:t>
+              <a:t>(</a:t>
+            </a:r>
+            <a:r>
+              <a:rPr lang="en-US" altLang="zh-TW" dirty="0" smtClean="0">
+                <a:solidFill>
+                  <a:srgbClr val="FF0000"/>
+                </a:solidFill>
+              </a:rPr>
+              <a:t>log-likelihood</a:t>
+            </a:r>
+            <a:r>
+              <a:rPr lang="en-US" altLang="zh-TW" dirty="0" smtClean="0"/>
+              <a:t>)</a:t>
             </a:r>
           </a:p>
           <a:p>
@@ -9222,7 +8756,11 @@
               <a:t> </a:t>
             </a:r>
             <a:r>
-              <a:rPr lang="en-US" altLang="zh-TW" dirty="0"/>
+              <a:rPr lang="en-US" altLang="zh-TW" dirty="0">
+                <a:solidFill>
+                  <a:srgbClr val="FF0000"/>
+                </a:solidFill>
+              </a:rPr>
               <a:t>S</a:t>
             </a:r>
             <a:r>
@@ -9230,7 +8768,11 @@
               <a:t>tochastic </a:t>
             </a:r>
             <a:r>
-              <a:rPr lang="en-US" altLang="zh-TW" dirty="0"/>
+              <a:rPr lang="en-US" altLang="zh-TW" dirty="0">
+                <a:solidFill>
+                  <a:srgbClr val="FF0000"/>
+                </a:solidFill>
+              </a:rPr>
               <a:t>G</a:t>
             </a:r>
             <a:r>
@@ -9238,12 +8780,28 @@
               <a:t>radient </a:t>
             </a:r>
             <a:r>
-              <a:rPr lang="en-US" altLang="zh-TW" dirty="0"/>
+              <a:rPr lang="en-US" altLang="zh-TW" dirty="0" smtClean="0">
+                <a:solidFill>
+                  <a:srgbClr val="FF0000"/>
+                </a:solidFill>
+              </a:rPr>
               <a:t>D</a:t>
             </a:r>
             <a:r>
               <a:rPr lang="en-US" dirty="0" smtClean="0"/>
-              <a:t>escent </a:t>
+              <a:t>escent</a:t>
+            </a:r>
+            <a:r>
+              <a:rPr lang="zh-TW" altLang="en-US" dirty="0" smtClean="0"/>
+              <a:t> </a:t>
+            </a:r>
+            <a:r>
+              <a:rPr lang="en-US" dirty="0"/>
+              <a:t>to maximize the new objective </a:t>
+            </a:r>
+            <a:r>
+              <a:rPr lang="en-US" dirty="0" smtClean="0"/>
+              <a:t>function </a:t>
             </a:r>
             <a:endParaRPr lang="en-US" dirty="0"/>
           </a:p>
@@ -9269,7 +8827,7 @@
           <a:p>
             <a:fld id="{73DA0BB7-265A-403C-9275-D587AB510EDC}" type="slidenum">
               <a:rPr lang="zh-TW" altLang="en-US" smtClean="0"/>
-              <a:t>18</a:t>
+              <a:t>17</a:t>
             </a:fld>
             <a:endParaRPr lang="zh-TW" altLang="en-US"/>
           </a:p>
@@ -9325,6 +8883,142 @@
 </p:sld>
 </file>
 
+<file path=ppt/slides/slide18.xml><?xml version="1.0" encoding="utf-8"?>
+<p:sld xmlns:a="http://schemas.openxmlformats.org/drawingml/2006/main" xmlns:r="http://schemas.openxmlformats.org/officeDocument/2006/relationships" xmlns:p="http://schemas.openxmlformats.org/presentationml/2006/main">
+  <p:cSld>
+    <p:spTree>
+      <p:nvGrpSpPr>
+        <p:cNvPr id="1" name=""/>
+        <p:cNvGrpSpPr/>
+        <p:nvPr/>
+      </p:nvGrpSpPr>
+      <p:grpSpPr>
+        <a:xfrm>
+          <a:off x="0" y="0"/>
+          <a:ext cx="0" cy="0"/>
+          <a:chOff x="0" y="0"/>
+          <a:chExt cx="0" cy="0"/>
+        </a:xfrm>
+      </p:grpSpPr>
+      <p:sp>
+        <p:nvSpPr>
+          <p:cNvPr id="2" name="Title 1"/>
+          <p:cNvSpPr>
+            <a:spLocks noGrp="1"/>
+          </p:cNvSpPr>
+          <p:nvPr>
+            <p:ph type="title"/>
+          </p:nvPr>
+        </p:nvSpPr>
+        <p:spPr/>
+        <p:txBody>
+          <a:bodyPr/>
+          <a:lstStyle/>
+          <a:p>
+            <a:r>
+              <a:rPr lang="en-US" altLang="zh-TW" dirty="0"/>
+              <a:t>Main</a:t>
+            </a:r>
+            <a:r>
+              <a:rPr lang="zh-TW" altLang="en-US" dirty="0"/>
+              <a:t> </a:t>
+            </a:r>
+            <a:r>
+              <a:rPr lang="en-US" altLang="zh-TW" dirty="0"/>
+              <a:t>idea</a:t>
+            </a:r>
+            <a:r>
+              <a:rPr lang="zh-TW" altLang="en-US" dirty="0"/>
+              <a:t> </a:t>
+            </a:r>
+            <a:r>
+              <a:rPr lang="en-US" altLang="zh-TW" dirty="0" smtClean="0"/>
+              <a:t>(</a:t>
+            </a:r>
+            <a:r>
+              <a:rPr lang="en-US" altLang="zh-TW" dirty="0"/>
+              <a:t>9</a:t>
+            </a:r>
+            <a:r>
+              <a:rPr lang="en-US" altLang="zh-TW" dirty="0" smtClean="0"/>
+              <a:t>)</a:t>
+            </a:r>
+            <a:endParaRPr lang="en-US" dirty="0"/>
+          </a:p>
+        </p:txBody>
+      </p:sp>
+      <p:sp>
+        <p:nvSpPr>
+          <p:cNvPr id="4" name="Slide Number Placeholder 3"/>
+          <p:cNvSpPr>
+            <a:spLocks noGrp="1"/>
+          </p:cNvSpPr>
+          <p:nvPr>
+            <p:ph type="sldNum" sz="quarter" idx="12"/>
+          </p:nvPr>
+        </p:nvSpPr>
+        <p:spPr/>
+        <p:txBody>
+          <a:bodyPr/>
+          <a:lstStyle/>
+          <a:p>
+            <a:fld id="{73DA0BB7-265A-403C-9275-D587AB510EDC}" type="slidenum">
+              <a:rPr lang="zh-TW" altLang="en-US" smtClean="0"/>
+              <a:t>18</a:t>
+            </a:fld>
+            <a:endParaRPr lang="zh-TW" altLang="en-US"/>
+          </a:p>
+        </p:txBody>
+      </p:sp>
+      <p:pic>
+        <p:nvPicPr>
+          <p:cNvPr id="7" name="Content Placeholder 6"/>
+          <p:cNvPicPr>
+            <a:picLocks noGrp="1" noChangeAspect="1"/>
+          </p:cNvPicPr>
+          <p:nvPr>
+            <p:ph idx="1"/>
+          </p:nvPr>
+        </p:nvPicPr>
+        <p:blipFill>
+          <a:blip r:embed="rId2">
+            <a:extLst>
+              <a:ext uri="{28A0092B-C50C-407E-A947-70E740481C1C}">
+                <a14:useLocalDpi xmlns:a14="http://schemas.microsoft.com/office/drawing/2010/main" val="0"/>
+              </a:ext>
+            </a:extLst>
+          </a:blip>
+          <a:stretch>
+            <a:fillRect/>
+          </a:stretch>
+        </p:blipFill>
+        <p:spPr>
+          <a:xfrm>
+            <a:off x="1331640" y="1417638"/>
+            <a:ext cx="5869632" cy="5109020"/>
+          </a:xfrm>
+        </p:spPr>
+      </p:pic>
+    </p:spTree>
+    <p:extLst>
+      <p:ext uri="{BB962C8B-B14F-4D97-AF65-F5344CB8AC3E}">
+        <p14:creationId xmlns:p14="http://schemas.microsoft.com/office/powerpoint/2010/main" val="1647369682"/>
+      </p:ext>
+    </p:extLst>
+  </p:cSld>
+  <p:clrMapOvr>
+    <a:masterClrMapping/>
+  </p:clrMapOvr>
+  <p:timing>
+    <p:tnLst>
+      <p:par>
+        <p:cTn id="1" dur="indefinite" restart="never" nodeType="tmRoot"/>
+      </p:par>
+    </p:tnLst>
+  </p:timing>
+</p:sld>
+</file>
+
 <file path=ppt/slides/slide19.xml><?xml version="1.0" encoding="utf-8"?>
 <p:sld xmlns:a="http://schemas.openxmlformats.org/drawingml/2006/main" xmlns:r="http://schemas.openxmlformats.org/officeDocument/2006/relationships" xmlns:p="http://schemas.openxmlformats.org/presentationml/2006/main">
   <p:cSld>
@@ -9375,7 +9069,7 @@
             </a:r>
             <a:r>
               <a:rPr lang="en-US" altLang="zh-TW" dirty="0" smtClean="0"/>
-              <a:t>(9)</a:t>
+              <a:t>(10)</a:t>
             </a:r>
             <a:endParaRPr lang="zh-TW" altLang="en-US" dirty="0"/>
           </a:p>
@@ -9391,7 +9085,12 @@
             <p:ph idx="1"/>
           </p:nvPr>
         </p:nvSpPr>
-        <p:spPr/>
+        <p:spPr>
+          <a:xfrm>
+            <a:off x="457200" y="1600200"/>
+            <a:ext cx="8229600" cy="4997152"/>
+          </a:xfrm>
+        </p:spPr>
         <p:txBody>
           <a:bodyPr>
             <a:normAutofit/>
@@ -9420,10 +9119,94 @@
             </a:r>
           </a:p>
           <a:p>
+            <a:endParaRPr lang="en-US" altLang="zh-TW" dirty="0"/>
+          </a:p>
+          <a:p>
             <a:endParaRPr lang="en-US" altLang="zh-TW" dirty="0" smtClean="0"/>
           </a:p>
           <a:p>
-            <a:endParaRPr lang="zh-TW" altLang="en-US" dirty="0"/>
+            <a:endParaRPr lang="en-US" altLang="zh-TW" dirty="0"/>
+          </a:p>
+          <a:p>
+            <a:endParaRPr lang="en-US" altLang="zh-TW" dirty="0" smtClean="0"/>
+          </a:p>
+          <a:p>
+            <a:endParaRPr lang="en-US" altLang="zh-TW" dirty="0"/>
+          </a:p>
+          <a:p>
+            <a:pPr>
+              <a:spcBef>
+                <a:spcPts val="0"/>
+              </a:spcBef>
+            </a:pPr>
+            <a:r>
+              <a:rPr lang="en-US" altLang="zh-TW" dirty="0" smtClean="0"/>
+              <a:t>Where</a:t>
+            </a:r>
+          </a:p>
+          <a:p>
+            <a:pPr marL="0" indent="0">
+              <a:spcBef>
+                <a:spcPts val="0"/>
+              </a:spcBef>
+              <a:buNone/>
+            </a:pPr>
+            <a:r>
+              <a:rPr lang="zh-TW" altLang="en-US" dirty="0"/>
+              <a:t> </a:t>
+            </a:r>
+            <a:r>
+              <a:rPr lang="zh-TW" altLang="en-US" dirty="0" smtClean="0"/>
+              <a:t>              </a:t>
+            </a:r>
+            <a:r>
+              <a:rPr lang="en-US" altLang="zh-TW" sz="2800" dirty="0" smtClean="0"/>
+              <a:t>denotes</a:t>
+            </a:r>
+            <a:r>
+              <a:rPr lang="zh-TW" altLang="en-US" sz="2800" dirty="0" smtClean="0"/>
+              <a:t> </a:t>
+            </a:r>
+            <a:r>
+              <a:rPr lang="en-US" altLang="zh-TW" sz="2800" dirty="0" smtClean="0"/>
+              <a:t>the</a:t>
+            </a:r>
+            <a:r>
+              <a:rPr lang="zh-TW" altLang="en-US" sz="2800" dirty="0" smtClean="0"/>
+              <a:t> </a:t>
+            </a:r>
+            <a:r>
+              <a:rPr lang="en-US" altLang="zh-TW" sz="2800" dirty="0" smtClean="0"/>
+              <a:t>j-</a:t>
+            </a:r>
+            <a:r>
+              <a:rPr lang="en-US" altLang="zh-TW" sz="2800" dirty="0" err="1" smtClean="0"/>
+              <a:t>th</a:t>
+            </a:r>
+            <a:r>
+              <a:rPr lang="zh-TW" altLang="en-US" sz="2800" dirty="0" smtClean="0"/>
+              <a:t> </a:t>
+            </a:r>
+            <a:r>
+              <a:rPr lang="en-US" altLang="zh-TW" sz="2800" dirty="0" smtClean="0"/>
+              <a:t>column</a:t>
+            </a:r>
+            <a:r>
+              <a:rPr lang="zh-TW" altLang="en-US" sz="2800" dirty="0" smtClean="0"/>
+              <a:t> </a:t>
+            </a:r>
+            <a:r>
+              <a:rPr lang="en-US" altLang="zh-TW" sz="2800" dirty="0" smtClean="0"/>
+              <a:t>of</a:t>
+            </a:r>
+            <a:r>
+              <a:rPr lang="zh-TW" altLang="en-US" sz="2800" dirty="0" smtClean="0"/>
+              <a:t> </a:t>
+            </a:r>
+            <a:r>
+              <a:rPr lang="en-US" altLang="zh-TW" sz="2800" dirty="0" smtClean="0"/>
+              <a:t>W</a:t>
+            </a:r>
           </a:p>
         </p:txBody>
       </p:sp>
@@ -9474,6 +9257,36 @@
           <a:xfrm>
             <a:off x="971600" y="2492889"/>
             <a:ext cx="4511040" cy="2424684"/>
+          </a:xfrm>
+          <a:prstGeom prst="rect">
+            <a:avLst/>
+          </a:prstGeom>
+        </p:spPr>
+      </p:pic>
+      <p:pic>
+        <p:nvPicPr>
+          <p:cNvPr id="7" name="Picture 6"/>
+          <p:cNvPicPr>
+            <a:picLocks noChangeAspect="1"/>
+          </p:cNvPicPr>
+          <p:nvPr/>
+        </p:nvPicPr>
+        <p:blipFill>
+          <a:blip r:embed="rId4">
+            <a:extLst>
+              <a:ext uri="{28A0092B-C50C-407E-A947-70E740481C1C}">
+                <a14:useLocalDpi xmlns:a14="http://schemas.microsoft.com/office/drawing/2010/main" val="0"/>
+              </a:ext>
+            </a:extLst>
+          </a:blip>
+          <a:stretch>
+            <a:fillRect/>
+          </a:stretch>
+        </p:blipFill>
+        <p:spPr>
+          <a:xfrm>
+            <a:off x="948656" y="5586195"/>
+            <a:ext cx="792852" cy="448134"/>
           </a:xfrm>
           <a:prstGeom prst="rect">
             <a:avLst/>
@@ -9986,7 +9799,7 @@
         </p:nvSpPr>
         <p:spPr>
           <a:xfrm>
-            <a:off x="1115616" y="4797152"/>
+            <a:off x="1321892" y="4831990"/>
             <a:ext cx="6264696" cy="769441"/>
           </a:xfrm>
           <a:prstGeom prst="rect">
@@ -10236,6 +10049,31 @@
       </p:sp>
       <p:sp>
         <p:nvSpPr>
+          <p:cNvPr id="3" name="Content Placeholder 2"/>
+          <p:cNvSpPr>
+            <a:spLocks noGrp="1"/>
+          </p:cNvSpPr>
+          <p:nvPr>
+            <p:ph idx="1"/>
+          </p:nvPr>
+        </p:nvSpPr>
+        <p:spPr/>
+        <p:txBody>
+          <a:bodyPr/>
+          <a:lstStyle/>
+          <a:p>
+            <a:r>
+              <a:rPr lang="en-US" altLang="zh-TW" dirty="0" smtClean="0"/>
+              <a:t>JNE</a:t>
+            </a:r>
+          </a:p>
+          <a:p>
+            <a:endParaRPr lang="en-US" dirty="0"/>
+          </a:p>
+        </p:txBody>
+      </p:sp>
+      <p:sp>
+        <p:nvSpPr>
           <p:cNvPr id="4" name="Slide Number Placeholder 3"/>
           <p:cNvSpPr>
             <a:spLocks noGrp="1"/>
@@ -10259,13 +10097,11 @@
       </p:sp>
       <p:pic>
         <p:nvPicPr>
-          <p:cNvPr id="7" name="Content Placeholder 6"/>
+          <p:cNvPr id="5" name="Picture 4"/>
           <p:cNvPicPr>
-            <a:picLocks noGrp="1" noChangeAspect="1"/>
+            <a:picLocks noChangeAspect="1"/>
           </p:cNvPicPr>
-          <p:nvPr>
-            <p:ph idx="1"/>
-          </p:nvPr>
+          <p:nvPr/>
         </p:nvPicPr>
         <p:blipFill>
           <a:blip r:embed="rId2">
@@ -10281,53 +10117,18 @@
         </p:blipFill>
         <p:spPr>
           <a:xfrm>
-            <a:off x="107504" y="1988840"/>
-            <a:ext cx="8886443" cy="3096344"/>
-          </a:xfrm>
-        </p:spPr>
-      </p:pic>
-      <p:sp>
-        <p:nvSpPr>
-          <p:cNvPr id="8" name="Rectangle 7"/>
-          <p:cNvSpPr/>
-          <p:nvPr/>
-        </p:nvSpPr>
-        <p:spPr>
-          <a:xfrm>
-            <a:off x="2987824" y="5445224"/>
-            <a:ext cx="2736304" cy="707886"/>
+            <a:off x="1259632" y="2104072"/>
+            <a:ext cx="6827520" cy="4434840"/>
           </a:xfrm>
           <a:prstGeom prst="rect">
             <a:avLst/>
           </a:prstGeom>
         </p:spPr>
-        <p:txBody>
-          <a:bodyPr wrap="square">
-            <a:spAutoFit/>
-          </a:bodyPr>
-          <a:lstStyle/>
-          <a:p>
-            <a:pPr algn="ctr"/>
-            <a:r>
-              <a:rPr lang="en-US" altLang="zh-TW" sz="4000" dirty="0"/>
-              <a:t>Any</a:t>
-            </a:r>
-            <a:r>
-              <a:rPr lang="zh-TW" altLang="en-US" sz="4000" dirty="0"/>
-              <a:t> </a:t>
-            </a:r>
-            <a:r>
-              <a:rPr lang="en-US" altLang="zh-TW" sz="4000" dirty="0"/>
-              <a:t>idea?</a:t>
-            </a:r>
-            <a:endParaRPr lang="en-US" sz="4000" dirty="0"/>
-          </a:p>
-        </p:txBody>
-      </p:sp>
+      </p:pic>
     </p:spTree>
     <p:extLst>
       <p:ext uri="{BB962C8B-B14F-4D97-AF65-F5344CB8AC3E}">
-        <p14:creationId xmlns:p14="http://schemas.microsoft.com/office/powerpoint/2010/main" val="235143315"/>
+        <p14:creationId xmlns:p14="http://schemas.microsoft.com/office/powerpoint/2010/main" val="1620536509"/>
       </p:ext>
     </p:extLst>
   </p:cSld>
@@ -10392,9 +10193,32 @@
           </a:p>
         </p:txBody>
       </p:sp>
+      <p:sp>
+        <p:nvSpPr>
+          <p:cNvPr id="4" name="Slide Number Placeholder 3"/>
+          <p:cNvSpPr>
+            <a:spLocks noGrp="1"/>
+          </p:cNvSpPr>
+          <p:nvPr>
+            <p:ph type="sldNum" sz="quarter" idx="12"/>
+          </p:nvPr>
+        </p:nvSpPr>
+        <p:spPr/>
+        <p:txBody>
+          <a:bodyPr/>
+          <a:lstStyle/>
+          <a:p>
+            <a:fld id="{73DA0BB7-265A-403C-9275-D587AB510EDC}" type="slidenum">
+              <a:rPr lang="zh-TW" altLang="en-US" smtClean="0"/>
+              <a:t>24</a:t>
+            </a:fld>
+            <a:endParaRPr lang="zh-TW" altLang="en-US"/>
+          </a:p>
+        </p:txBody>
+      </p:sp>
       <p:pic>
         <p:nvPicPr>
-          <p:cNvPr id="5" name="Content Placeholder 4"/>
+          <p:cNvPr id="7" name="Content Placeholder 6"/>
           <p:cNvPicPr>
             <a:picLocks noGrp="1" noChangeAspect="1"/>
           </p:cNvPicPr>
@@ -10403,7 +10227,7 @@
           </p:nvPr>
         </p:nvPicPr>
         <p:blipFill>
-          <a:blip r:embed="rId3">
+          <a:blip r:embed="rId2">
             <a:extLst>
               <a:ext uri="{28A0092B-C50C-407E-A947-70E740481C1C}">
                 <a14:useLocalDpi xmlns:a14="http://schemas.microsoft.com/office/drawing/2010/main" val="0"/>
@@ -10416,38 +10240,15 @@
         </p:blipFill>
         <p:spPr>
           <a:xfrm>
-            <a:off x="393935" y="1556792"/>
-            <a:ext cx="8356130" cy="4022774"/>
+            <a:off x="107504" y="1988840"/>
+            <a:ext cx="8886443" cy="3096344"/>
           </a:xfrm>
         </p:spPr>
       </p:pic>
-      <p:sp>
-        <p:nvSpPr>
-          <p:cNvPr id="4" name="Slide Number Placeholder 3"/>
-          <p:cNvSpPr>
-            <a:spLocks noGrp="1"/>
-          </p:cNvSpPr>
-          <p:nvPr>
-            <p:ph type="sldNum" sz="quarter" idx="12"/>
-          </p:nvPr>
-        </p:nvSpPr>
-        <p:spPr/>
-        <p:txBody>
-          <a:bodyPr/>
-          <a:lstStyle/>
-          <a:p>
-            <a:fld id="{73DA0BB7-265A-403C-9275-D587AB510EDC}" type="slidenum">
-              <a:rPr lang="zh-TW" altLang="en-US" smtClean="0"/>
-              <a:t>24</a:t>
-            </a:fld>
-            <a:endParaRPr lang="zh-TW" altLang="en-US"/>
-          </a:p>
-        </p:txBody>
-      </p:sp>
     </p:spTree>
     <p:extLst>
       <p:ext uri="{BB962C8B-B14F-4D97-AF65-F5344CB8AC3E}">
-        <p14:creationId xmlns:p14="http://schemas.microsoft.com/office/powerpoint/2010/main" val="683784725"/>
+        <p14:creationId xmlns:p14="http://schemas.microsoft.com/office/powerpoint/2010/main" val="235143315"/>
       </p:ext>
     </p:extLst>
   </p:cSld>
@@ -10497,6 +10298,126 @@
           <a:lstStyle/>
           <a:p>
             <a:r>
+              <a:rPr lang="en-US" altLang="zh-TW" dirty="0"/>
+              <a:t>Evaluation</a:t>
+            </a:r>
+            <a:r>
+              <a:rPr lang="zh-TW" altLang="en-US" dirty="0"/>
+              <a:t> </a:t>
+            </a:r>
+            <a:r>
+              <a:rPr lang="en-US" altLang="zh-TW" dirty="0"/>
+              <a:t>(Cont.)</a:t>
+            </a:r>
+            <a:endParaRPr lang="en-US" dirty="0"/>
+          </a:p>
+        </p:txBody>
+      </p:sp>
+      <p:pic>
+        <p:nvPicPr>
+          <p:cNvPr id="5" name="Content Placeholder 4"/>
+          <p:cNvPicPr>
+            <a:picLocks noGrp="1" noChangeAspect="1"/>
+          </p:cNvPicPr>
+          <p:nvPr>
+            <p:ph idx="1"/>
+          </p:nvPr>
+        </p:nvPicPr>
+        <p:blipFill>
+          <a:blip r:embed="rId3">
+            <a:extLst>
+              <a:ext uri="{28A0092B-C50C-407E-A947-70E740481C1C}">
+                <a14:useLocalDpi xmlns:a14="http://schemas.microsoft.com/office/drawing/2010/main" val="0"/>
+              </a:ext>
+            </a:extLst>
+          </a:blip>
+          <a:stretch>
+            <a:fillRect/>
+          </a:stretch>
+        </p:blipFill>
+        <p:spPr>
+          <a:xfrm>
+            <a:off x="393935" y="1556792"/>
+            <a:ext cx="8356130" cy="4022774"/>
+          </a:xfrm>
+        </p:spPr>
+      </p:pic>
+      <p:sp>
+        <p:nvSpPr>
+          <p:cNvPr id="4" name="Slide Number Placeholder 3"/>
+          <p:cNvSpPr>
+            <a:spLocks noGrp="1"/>
+          </p:cNvSpPr>
+          <p:nvPr>
+            <p:ph type="sldNum" sz="quarter" idx="12"/>
+          </p:nvPr>
+        </p:nvSpPr>
+        <p:spPr/>
+        <p:txBody>
+          <a:bodyPr/>
+          <a:lstStyle/>
+          <a:p>
+            <a:fld id="{73DA0BB7-265A-403C-9275-D587AB510EDC}" type="slidenum">
+              <a:rPr lang="zh-TW" altLang="en-US" smtClean="0"/>
+              <a:t>25</a:t>
+            </a:fld>
+            <a:endParaRPr lang="zh-TW" altLang="en-US"/>
+          </a:p>
+        </p:txBody>
+      </p:sp>
+    </p:spTree>
+    <p:extLst>
+      <p:ext uri="{BB962C8B-B14F-4D97-AF65-F5344CB8AC3E}">
+        <p14:creationId xmlns:p14="http://schemas.microsoft.com/office/powerpoint/2010/main" val="683784725"/>
+      </p:ext>
+    </p:extLst>
+  </p:cSld>
+  <p:clrMapOvr>
+    <a:masterClrMapping/>
+  </p:clrMapOvr>
+  <p:timing>
+    <p:tnLst>
+      <p:par>
+        <p:cTn id="1" dur="indefinite" restart="never" nodeType="tmRoot"/>
+      </p:par>
+    </p:tnLst>
+  </p:timing>
+</p:sld>
+</file>
+
+<file path=ppt/slides/slide26.xml><?xml version="1.0" encoding="utf-8"?>
+<p:sld xmlns:a="http://schemas.openxmlformats.org/drawingml/2006/main" xmlns:r="http://schemas.openxmlformats.org/officeDocument/2006/relationships" xmlns:p="http://schemas.openxmlformats.org/presentationml/2006/main">
+  <p:cSld>
+    <p:spTree>
+      <p:nvGrpSpPr>
+        <p:cNvPr id="1" name=""/>
+        <p:cNvGrpSpPr/>
+        <p:nvPr/>
+      </p:nvGrpSpPr>
+      <p:grpSpPr>
+        <a:xfrm>
+          <a:off x="0" y="0"/>
+          <a:ext cx="0" cy="0"/>
+          <a:chOff x="0" y="0"/>
+          <a:chExt cx="0" cy="0"/>
+        </a:xfrm>
+      </p:grpSpPr>
+      <p:sp>
+        <p:nvSpPr>
+          <p:cNvPr id="2" name="Title 1"/>
+          <p:cNvSpPr>
+            <a:spLocks noGrp="1"/>
+          </p:cNvSpPr>
+          <p:nvPr>
+            <p:ph type="title"/>
+          </p:nvPr>
+        </p:nvSpPr>
+        <p:spPr/>
+        <p:txBody>
+          <a:bodyPr/>
+          <a:lstStyle/>
+          <a:p>
+            <a:r>
               <a:rPr lang="en-US" altLang="zh-TW" dirty="0" smtClean="0"/>
               <a:t>Conclusion</a:t>
             </a:r>
@@ -10701,7 +10622,7 @@
           <a:p>
             <a:fld id="{73DA0BB7-265A-403C-9275-D587AB510EDC}" type="slidenum">
               <a:rPr lang="zh-TW" altLang="en-US" smtClean="0"/>
-              <a:t>25</a:t>
+              <a:t>26</a:t>
             </a:fld>
             <a:endParaRPr lang="zh-TW" altLang="en-US"/>
           </a:p>
@@ -11281,18 +11202,14 @@
           <a:p>
             <a:r>
               <a:rPr lang="en-US" altLang="zh-TW" dirty="0"/>
-              <a:t>Problem </a:t>
-            </a:r>
-            <a:r>
-              <a:rPr lang="en-US" altLang="zh-TW" dirty="0" smtClean="0"/>
-              <a:t>Formulation</a:t>
-            </a:r>
-            <a:r>
-              <a:rPr lang="zh-TW" altLang="en-US" dirty="0" smtClean="0"/>
+              <a:t>Problem Formulation</a:t>
+            </a:r>
+            <a:r>
+              <a:rPr lang="zh-TW" altLang="en-US" dirty="0"/>
               <a:t> </a:t>
             </a:r>
             <a:r>
-              <a:rPr lang="en-US" altLang="zh-TW" dirty="0" smtClean="0"/>
+              <a:rPr lang="en-US" altLang="zh-TW" dirty="0"/>
               <a:t>(Cont.)</a:t>
             </a:r>
             <a:endParaRPr lang="en-US" dirty="0"/>
@@ -11596,9 +11513,12 @@
             </a:r>
             <a:r>
               <a:rPr lang="en-US" sz="2400" dirty="0"/>
-              <a:t>odels training on the independent social datasets</a:t>
-            </a:r>
-            <a:endParaRPr lang="en-US" altLang="zh-TW" sz="2400" dirty="0"/>
+              <a:t>odels training on the independent social </a:t>
+            </a:r>
+            <a:r>
+              <a:rPr lang="en-US" sz="2400" dirty="0" smtClean="0"/>
+              <a:t>datasets</a:t>
+            </a:r>
           </a:p>
         </p:txBody>
       </p:sp>
@@ -11781,12 +11701,16 @@
               <a:t>ulti-task learning with various kernels and </a:t>
             </a:r>
             <a:r>
-              <a:rPr lang="en-US" sz="2400" dirty="0" err="1"/>
+              <a:rPr lang="en-US" sz="2400" dirty="0" err="1" smtClean="0"/>
               <a:t>regularizers</a:t>
             </a:r>
             <a:r>
+              <a:rPr lang="en-US" sz="2400" dirty="0" smtClean="0"/>
+              <a:t> </a:t>
+            </a:r>
+            <a:r>
               <a:rPr lang="en-US" sz="2400" dirty="0"/>
-              <a:t> to address the </a:t>
+              <a:t>to address the </a:t>
             </a:r>
             <a:r>
               <a:rPr lang="en-US" sz="2400" dirty="0">
@@ -11925,7 +11849,7 @@
       </p:grpSpPr>
       <p:sp>
         <p:nvSpPr>
-          <p:cNvPr id="2" name="Title 1"/>
+          <p:cNvPr id="2" name="標題 1"/>
           <p:cNvSpPr>
             <a:spLocks noGrp="1"/>
           </p:cNvSpPr>
@@ -11939,24 +11863,16 @@
           <a:lstStyle/>
           <a:p>
             <a:r>
-              <a:rPr lang="en-US" altLang="zh-TW" dirty="0"/>
-              <a:t>Related work</a:t>
-            </a:r>
-            <a:r>
-              <a:rPr lang="zh-TW" altLang="en-US" dirty="0"/>
-              <a:t> </a:t>
-            </a:r>
-            <a:r>
-              <a:rPr lang="en-US" altLang="zh-TW" dirty="0"/>
-              <a:t>(Cont.)</a:t>
-            </a:r>
-            <a:endParaRPr lang="en-US" dirty="0"/>
-          </a:p>
-        </p:txBody>
-      </p:sp>
-      <p:sp>
-        <p:nvSpPr>
-          <p:cNvPr id="3" name="Content Placeholder 2"/>
+              <a:rPr lang="en-US" altLang="zh-TW" dirty="0" smtClean="0"/>
+              <a:t>Challenges</a:t>
+            </a:r>
+            <a:endParaRPr lang="zh-TW" altLang="en-US" dirty="0"/>
+          </a:p>
+        </p:txBody>
+      </p:sp>
+      <p:sp>
+        <p:nvSpPr>
+          <p:cNvPr id="3" name="內容版面配置區 2"/>
           <p:cNvSpPr>
             <a:spLocks noGrp="1"/>
           </p:cNvSpPr>
@@ -11966,7 +11882,9 @@
         </p:nvSpPr>
         <p:spPr/>
         <p:txBody>
-          <a:bodyPr/>
+          <a:bodyPr>
+            <a:normAutofit/>
+          </a:bodyPr>
           <a:lstStyle/>
           <a:p>
             <a:pPr>
@@ -11975,157 +11893,115 @@
               </a:spcAft>
             </a:pPr>
             <a:r>
-              <a:rPr lang="en-US" altLang="zh-TW" dirty="0" smtClean="0"/>
-              <a:t>Representation</a:t>
-            </a:r>
-            <a:r>
-              <a:rPr lang="zh-TW" altLang="en-US" dirty="0" smtClean="0"/>
+              <a:rPr lang="en-US" altLang="zh-TW" sz="2800" dirty="0"/>
+              <a:t>H</a:t>
+            </a:r>
+            <a:r>
+              <a:rPr lang="en-US" sz="2800" dirty="0" smtClean="0"/>
+              <a:t>uman </a:t>
+            </a:r>
+            <a:r>
+              <a:rPr lang="en-US" sz="2800" dirty="0"/>
+              <a:t>defined features may </a:t>
+            </a:r>
+            <a:r>
+              <a:rPr lang="en-US" sz="2800" dirty="0" smtClean="0"/>
+              <a:t>suffer </a:t>
+            </a:r>
+            <a:r>
+              <a:rPr lang="en-US" sz="2800" dirty="0"/>
+              <a:t>from </a:t>
+            </a:r>
+            <a:r>
+              <a:rPr lang="en-US" sz="2800" dirty="0">
+                <a:solidFill>
+                  <a:srgbClr val="FF0000"/>
+                </a:solidFill>
+              </a:rPr>
+              <a:t>under specification</a:t>
+            </a:r>
+            <a:r>
+              <a:rPr lang="en-US" sz="2800" dirty="0"/>
+              <a:t> since it is difficult to identify those hidden </a:t>
+            </a:r>
+            <a:r>
+              <a:rPr lang="en-US" sz="2800" dirty="0" smtClean="0"/>
+              <a:t>complicate</a:t>
+            </a:r>
+            <a:r>
+              <a:rPr lang="en-US" altLang="zh-TW" sz="2800" dirty="0" smtClean="0"/>
+              <a:t>d</a:t>
+            </a:r>
+            <a:r>
+              <a:rPr lang="en-US" sz="2800" dirty="0" smtClean="0"/>
               <a:t> </a:t>
             </a:r>
             <a:r>
-              <a:rPr lang="en-US" altLang="zh-TW" dirty="0" smtClean="0"/>
-              <a:t>Learning</a:t>
-            </a:r>
-            <a:endParaRPr lang="en-US" dirty="0"/>
-          </a:p>
-          <a:p>
-            <a:pPr lvl="1">
-              <a:spcAft>
-                <a:spcPts val="600"/>
-              </a:spcAft>
-            </a:pPr>
-            <a:r>
-              <a:rPr lang="en-US" altLang="zh-TW" sz="2400" dirty="0"/>
-              <a:t>S</a:t>
-            </a:r>
-            <a:r>
-              <a:rPr lang="en-US" sz="2400" dirty="0" smtClean="0"/>
-              <a:t>peech </a:t>
-            </a:r>
-            <a:r>
-              <a:rPr lang="en-US" altLang="zh-TW" sz="2400" dirty="0" smtClean="0"/>
-              <a:t>R</a:t>
-            </a:r>
-            <a:r>
-              <a:rPr lang="en-US" sz="2400" dirty="0" smtClean="0"/>
-              <a:t>ecognition </a:t>
-            </a:r>
-            <a:r>
-              <a:rPr lang="en-US" sz="2400" dirty="0"/>
-              <a:t>and </a:t>
-            </a:r>
-            <a:r>
-              <a:rPr lang="en-US" altLang="zh-TW" sz="2400" dirty="0"/>
-              <a:t>S</a:t>
-            </a:r>
-            <a:r>
-              <a:rPr lang="en-US" sz="2400" dirty="0" smtClean="0"/>
-              <a:t>ignal </a:t>
-            </a:r>
-            <a:r>
-              <a:rPr lang="en-US" altLang="zh-TW" sz="2400" dirty="0" smtClean="0"/>
-              <a:t>P</a:t>
-            </a:r>
-            <a:r>
-              <a:rPr lang="en-US" sz="2400" dirty="0" smtClean="0"/>
-              <a:t>rocessing</a:t>
-            </a:r>
-          </a:p>
-          <a:p>
-            <a:pPr lvl="1">
-              <a:spcAft>
-                <a:spcPts val="600"/>
-              </a:spcAft>
-            </a:pPr>
-            <a:r>
-              <a:rPr lang="en-US" altLang="zh-TW" sz="2400" dirty="0"/>
-              <a:t>O</a:t>
-            </a:r>
-            <a:r>
-              <a:rPr lang="en-US" sz="2400" dirty="0" smtClean="0"/>
-              <a:t>bject </a:t>
-            </a:r>
-            <a:r>
-              <a:rPr lang="en-US" altLang="zh-TW" sz="2400" dirty="0" smtClean="0"/>
-              <a:t>R</a:t>
-            </a:r>
-            <a:r>
-              <a:rPr lang="en-US" sz="2400" dirty="0" smtClean="0"/>
-              <a:t>ecognition</a:t>
-            </a:r>
-          </a:p>
-          <a:p>
-            <a:pPr lvl="1">
-              <a:spcAft>
-                <a:spcPts val="600"/>
-              </a:spcAft>
-            </a:pPr>
-            <a:r>
-              <a:rPr lang="en-US" altLang="zh-TW" sz="2400" dirty="0"/>
-              <a:t>N</a:t>
-            </a:r>
-            <a:r>
-              <a:rPr lang="en-US" sz="2400" dirty="0" smtClean="0"/>
-              <a:t>atural </a:t>
-            </a:r>
-            <a:r>
-              <a:rPr lang="en-US" altLang="zh-TW" sz="2400" dirty="0"/>
-              <a:t>L</a:t>
-            </a:r>
-            <a:r>
-              <a:rPr lang="en-US" sz="2400" dirty="0" smtClean="0"/>
-              <a:t>anguage </a:t>
-            </a:r>
-            <a:r>
-              <a:rPr lang="en-US" altLang="zh-TW" sz="2400" dirty="0"/>
-              <a:t>P</a:t>
-            </a:r>
-            <a:r>
-              <a:rPr lang="en-US" sz="2400" dirty="0" smtClean="0"/>
-              <a:t>rocessing </a:t>
-            </a:r>
-            <a:endParaRPr lang="en-US" sz="2400" dirty="0"/>
-          </a:p>
-          <a:p>
-            <a:pPr lvl="1">
-              <a:spcAft>
-                <a:spcPts val="600"/>
-              </a:spcAft>
-            </a:pPr>
-            <a:endParaRPr lang="en-US" sz="2400" dirty="0"/>
-          </a:p>
-          <a:p>
-            <a:pPr lvl="1">
-              <a:spcAft>
-                <a:spcPts val="600"/>
-              </a:spcAft>
-            </a:pPr>
-            <a:endParaRPr lang="en-US" sz="2400" dirty="0" smtClean="0"/>
-          </a:p>
-          <a:p>
-            <a:pPr lvl="1">
-              <a:spcAft>
-                <a:spcPts val="600"/>
-              </a:spcAft>
-            </a:pPr>
-            <a:endParaRPr lang="en-US" sz="2400" dirty="0"/>
-          </a:p>
-          <a:p>
-            <a:pPr lvl="1">
-              <a:spcAft>
-                <a:spcPts val="600"/>
-              </a:spcAft>
-            </a:pPr>
-            <a:endParaRPr lang="en-US" sz="2400" dirty="0"/>
-          </a:p>
-          <a:p>
-            <a:endParaRPr lang="en-US" dirty="0"/>
-          </a:p>
-        </p:txBody>
-      </p:sp>
-      <p:sp>
-        <p:nvSpPr>
-          <p:cNvPr id="4" name="Slide Number Placeholder 3"/>
+              <a:rPr lang="en-US" sz="2800" dirty="0"/>
+              <a:t>factors for prediction </a:t>
+            </a:r>
+            <a:r>
+              <a:rPr lang="en-US" sz="2800" dirty="0" smtClean="0"/>
+              <a:t>tasks</a:t>
+            </a:r>
+            <a:r>
+              <a:rPr lang="en-US" altLang="zh-TW" sz="2800" dirty="0" smtClean="0"/>
+              <a:t>.</a:t>
+            </a:r>
+          </a:p>
+          <a:p>
+            <a:r>
+              <a:rPr lang="en-US" altLang="zh-TW" sz="2800" dirty="0"/>
+              <a:t>T</a:t>
+            </a:r>
+            <a:r>
+              <a:rPr lang="en-US" sz="2800" dirty="0" smtClean="0"/>
+              <a:t>here </a:t>
+            </a:r>
+            <a:r>
+              <a:rPr lang="en-US" sz="2800" dirty="0"/>
+              <a:t>might be </a:t>
+            </a:r>
+            <a:r>
+              <a:rPr lang="en-US" sz="2800" dirty="0">
+                <a:solidFill>
+                  <a:srgbClr val="FF0000"/>
+                </a:solidFill>
+              </a:rPr>
+              <a:t>correlations</a:t>
+            </a:r>
+            <a:r>
+              <a:rPr lang="en-US" sz="2800" dirty="0"/>
+              <a:t> among </a:t>
+            </a:r>
+            <a:r>
+              <a:rPr lang="en-US" sz="2800" dirty="0" smtClean="0"/>
+              <a:t>different </a:t>
+            </a:r>
+            <a:r>
+              <a:rPr lang="en-US" sz="2800" dirty="0"/>
+              <a:t>tasks that can be leveraged to improve the prediction </a:t>
+            </a:r>
+            <a:r>
+              <a:rPr lang="en-US" sz="2800" dirty="0" smtClean="0"/>
+              <a:t>accuracy</a:t>
+            </a:r>
+            <a:r>
+              <a:rPr lang="en-US" altLang="zh-TW" sz="2800" dirty="0" smtClean="0"/>
+              <a:t>.</a:t>
+            </a:r>
+          </a:p>
+          <a:p>
+            <a:endParaRPr lang="en-US" altLang="zh-TW" sz="2800" dirty="0" smtClean="0"/>
+          </a:p>
+          <a:p>
+            <a:endParaRPr lang="en-US" sz="2800" dirty="0"/>
+          </a:p>
+        </p:txBody>
+      </p:sp>
+      <p:sp>
+        <p:nvSpPr>
+          <p:cNvPr id="4" name="投影片編號版面配置區 3"/>
           <p:cNvSpPr>
             <a:spLocks noGrp="1"/>
           </p:cNvSpPr>
@@ -12149,7 +12025,7 @@
     </p:spTree>
     <p:extLst>
       <p:ext uri="{BB962C8B-B14F-4D97-AF65-F5344CB8AC3E}">
-        <p14:creationId xmlns:p14="http://schemas.microsoft.com/office/powerpoint/2010/main" val="52835868"/>
+        <p14:creationId xmlns:p14="http://schemas.microsoft.com/office/powerpoint/2010/main" val="597332057"/>
       </p:ext>
     </p:extLst>
   </p:cSld>

--- a/presentations/0317.pptx
+++ b/presentations/0317.pptx
@@ -1663,37 +1663,6 @@
         <p:txBody>
           <a:bodyPr/>
           <a:lstStyle/>
-          <a:p>
-            <a:pPr marL="0" marR="0" indent="0" algn="l" defTabSz="914400" rtl="0" eaLnBrk="1" fontAlgn="auto" latinLnBrk="0" hangingPunct="1">
-              <a:lnSpc>
-                <a:spcPct val="100000"/>
-              </a:lnSpc>
-              <a:spcBef>
-                <a:spcPts val="0"/>
-              </a:spcBef>
-              <a:spcAft>
-                <a:spcPts val="0"/>
-              </a:spcAft>
-              <a:buClrTx/>
-              <a:buSzTx/>
-              <a:buFontTx/>
-              <a:buNone/>
-              <a:tabLst/>
-              <a:defRPr/>
-            </a:pPr>
-            <a:r>
-              <a:rPr lang="en-US" sz="1200" kern="1200" dirty="0" smtClean="0">
-                <a:solidFill>
-                  <a:schemeClr val="tx1"/>
-                </a:solidFill>
-                <a:effectLst/>
-                <a:latin typeface="+mn-lt"/>
-                <a:ea typeface="+mn-ea"/>
-                <a:cs typeface="+mn-cs"/>
-              </a:rPr>
-              <a:t>which can not only learn the data representations automatically but also capture the relations between different attributes in a structured way. </a:t>
-            </a:r>
-          </a:p>
           <a:p>
             <a:endParaRPr lang="en-US" dirty="0"/>
           </a:p>
